--- a/JAVA_GitHub연동.pptx
+++ b/JAVA_GitHub연동.pptx
@@ -5,7 +5,7 @@
     <p:sldMasterId id="2147483648" r:id="rId1"/>
   </p:sldMasterIdLst>
   <p:notesMasterIdLst>
-    <p:notesMasterId r:id="rId18"/>
+    <p:notesMasterId r:id="rId29"/>
   </p:notesMasterIdLst>
   <p:sldIdLst>
     <p:sldId id="297" r:id="rId2"/>
@@ -24,6 +24,17 @@
     <p:sldId id="313" r:id="rId15"/>
     <p:sldId id="312" r:id="rId16"/>
     <p:sldId id="314" r:id="rId17"/>
+    <p:sldId id="315" r:id="rId18"/>
+    <p:sldId id="316" r:id="rId19"/>
+    <p:sldId id="317" r:id="rId20"/>
+    <p:sldId id="318" r:id="rId21"/>
+    <p:sldId id="319" r:id="rId22"/>
+    <p:sldId id="320" r:id="rId23"/>
+    <p:sldId id="321" r:id="rId24"/>
+    <p:sldId id="322" r:id="rId25"/>
+    <p:sldId id="323" r:id="rId26"/>
+    <p:sldId id="324" r:id="rId27"/>
+    <p:sldId id="325" r:id="rId28"/>
   </p:sldIdLst>
   <p:sldSz cx="12192000" cy="6858000"/>
   <p:notesSz cx="6858000" cy="9144000"/>
@@ -212,7 +223,7 @@
           <a:p>
             <a:fld id="{7EB2AFC3-04D0-465A-BF6B-87FD4A4591A7}" type="datetimeFigureOut">
               <a:rPr lang="ko-KR" altLang="en-US" smtClean="0"/>
-              <a:t>2023-03-26</a:t>
+              <a:t>2023-08-19</a:t>
             </a:fld>
             <a:endParaRPr lang="ko-KR" altLang="en-US"/>
           </a:p>
@@ -1067,6 +1078,90 @@
 </p:notes>
 </file>
 
+<file path=ppt/notesSlides/notesSlide16.xml><?xml version="1.0" encoding="utf-8"?>
+<p:notes xmlns:a="http://schemas.openxmlformats.org/drawingml/2006/main" xmlns:r="http://schemas.openxmlformats.org/officeDocument/2006/relationships" xmlns:p="http://schemas.openxmlformats.org/presentationml/2006/main">
+  <p:cSld>
+    <p:spTree>
+      <p:nvGrpSpPr>
+        <p:cNvPr id="1" name=""/>
+        <p:cNvGrpSpPr/>
+        <p:nvPr/>
+      </p:nvGrpSpPr>
+      <p:grpSpPr>
+        <a:xfrm>
+          <a:off x="0" y="0"/>
+          <a:ext cx="0" cy="0"/>
+          <a:chOff x="0" y="0"/>
+          <a:chExt cx="0" cy="0"/>
+        </a:xfrm>
+      </p:grpSpPr>
+      <p:sp>
+        <p:nvSpPr>
+          <p:cNvPr id="2" name="슬라이드 이미지 개체 틀 1"/>
+          <p:cNvSpPr>
+            <a:spLocks noGrp="1" noRot="1" noChangeAspect="1"/>
+          </p:cNvSpPr>
+          <p:nvPr>
+            <p:ph type="sldImg"/>
+          </p:nvPr>
+        </p:nvSpPr>
+        <p:spPr/>
+      </p:sp>
+      <p:sp>
+        <p:nvSpPr>
+          <p:cNvPr id="3" name="슬라이드 노트 개체 틀 2"/>
+          <p:cNvSpPr>
+            <a:spLocks noGrp="1"/>
+          </p:cNvSpPr>
+          <p:nvPr>
+            <p:ph type="body" idx="1"/>
+          </p:nvPr>
+        </p:nvSpPr>
+        <p:spPr/>
+        <p:txBody>
+          <a:bodyPr/>
+          <a:lstStyle/>
+          <a:p>
+            <a:endParaRPr lang="ko-KR" altLang="en-US" dirty="0"/>
+          </a:p>
+        </p:txBody>
+      </p:sp>
+      <p:sp>
+        <p:nvSpPr>
+          <p:cNvPr id="4" name="슬라이드 번호 개체 틀 3"/>
+          <p:cNvSpPr>
+            <a:spLocks noGrp="1"/>
+          </p:cNvSpPr>
+          <p:nvPr>
+            <p:ph type="sldNum" sz="quarter" idx="5"/>
+          </p:nvPr>
+        </p:nvSpPr>
+        <p:spPr/>
+        <p:txBody>
+          <a:bodyPr/>
+          <a:lstStyle/>
+          <a:p>
+            <a:fld id="{96BCD374-3550-491A-9011-331780053567}" type="slidenum">
+              <a:rPr lang="ko-KR" altLang="en-US" smtClean="0"/>
+              <a:t>17</a:t>
+            </a:fld>
+            <a:endParaRPr lang="ko-KR" altLang="en-US"/>
+          </a:p>
+        </p:txBody>
+      </p:sp>
+    </p:spTree>
+    <p:extLst>
+      <p:ext uri="{BB962C8B-B14F-4D97-AF65-F5344CB8AC3E}">
+        <p14:creationId xmlns:p14="http://schemas.microsoft.com/office/powerpoint/2010/main" val="2379554633"/>
+      </p:ext>
+    </p:extLst>
+  </p:cSld>
+  <p:clrMapOvr>
+    <a:masterClrMapping/>
+  </p:clrMapOvr>
+</p:notes>
+</file>
+
 <file path=ppt/notesSlides/notesSlide2.xml><?xml version="1.0" encoding="utf-8"?>
 <p:notes xmlns:a="http://schemas.openxmlformats.org/drawingml/2006/main" xmlns:r="http://schemas.openxmlformats.org/officeDocument/2006/relationships" xmlns:p="http://schemas.openxmlformats.org/presentationml/2006/main">
   <p:cSld>
@@ -1886,7 +1981,7 @@
           <a:p>
             <a:fld id="{90775BE1-9027-4D7F-92AC-3DE3C283D292}" type="datetimeFigureOut">
               <a:rPr lang="ko-KR" altLang="en-US" smtClean="0"/>
-              <a:t>2023-03-26</a:t>
+              <a:t>2023-08-19</a:t>
             </a:fld>
             <a:endParaRPr lang="ko-KR" altLang="en-US"/>
           </a:p>
@@ -2084,7 +2179,7 @@
           <a:p>
             <a:fld id="{90775BE1-9027-4D7F-92AC-3DE3C283D292}" type="datetimeFigureOut">
               <a:rPr lang="ko-KR" altLang="en-US" smtClean="0"/>
-              <a:t>2023-03-26</a:t>
+              <a:t>2023-08-19</a:t>
             </a:fld>
             <a:endParaRPr lang="ko-KR" altLang="en-US"/>
           </a:p>
@@ -2292,7 +2387,7 @@
           <a:p>
             <a:fld id="{90775BE1-9027-4D7F-92AC-3DE3C283D292}" type="datetimeFigureOut">
               <a:rPr lang="ko-KR" altLang="en-US" smtClean="0"/>
-              <a:t>2023-03-26</a:t>
+              <a:t>2023-08-19</a:t>
             </a:fld>
             <a:endParaRPr lang="ko-KR" altLang="en-US"/>
           </a:p>
@@ -2490,7 +2585,7 @@
           <a:p>
             <a:fld id="{90775BE1-9027-4D7F-92AC-3DE3C283D292}" type="datetimeFigureOut">
               <a:rPr lang="ko-KR" altLang="en-US" smtClean="0"/>
-              <a:t>2023-03-26</a:t>
+              <a:t>2023-08-19</a:t>
             </a:fld>
             <a:endParaRPr lang="ko-KR" altLang="en-US"/>
           </a:p>
@@ -2765,7 +2860,7 @@
           <a:p>
             <a:fld id="{90775BE1-9027-4D7F-92AC-3DE3C283D292}" type="datetimeFigureOut">
               <a:rPr lang="ko-KR" altLang="en-US" smtClean="0"/>
-              <a:t>2023-03-26</a:t>
+              <a:t>2023-08-19</a:t>
             </a:fld>
             <a:endParaRPr lang="ko-KR" altLang="en-US"/>
           </a:p>
@@ -3030,7 +3125,7 @@
           <a:p>
             <a:fld id="{90775BE1-9027-4D7F-92AC-3DE3C283D292}" type="datetimeFigureOut">
               <a:rPr lang="ko-KR" altLang="en-US" smtClean="0"/>
-              <a:t>2023-03-26</a:t>
+              <a:t>2023-08-19</a:t>
             </a:fld>
             <a:endParaRPr lang="ko-KR" altLang="en-US"/>
           </a:p>
@@ -3442,7 +3537,7 @@
           <a:p>
             <a:fld id="{90775BE1-9027-4D7F-92AC-3DE3C283D292}" type="datetimeFigureOut">
               <a:rPr lang="ko-KR" altLang="en-US" smtClean="0"/>
-              <a:t>2023-03-26</a:t>
+              <a:t>2023-08-19</a:t>
             </a:fld>
             <a:endParaRPr lang="ko-KR" altLang="en-US"/>
           </a:p>
@@ -3583,7 +3678,7 @@
           <a:p>
             <a:fld id="{90775BE1-9027-4D7F-92AC-3DE3C283D292}" type="datetimeFigureOut">
               <a:rPr lang="ko-KR" altLang="en-US" smtClean="0"/>
-              <a:t>2023-03-26</a:t>
+              <a:t>2023-08-19</a:t>
             </a:fld>
             <a:endParaRPr lang="ko-KR" altLang="en-US"/>
           </a:p>
@@ -3696,7 +3791,7 @@
           <a:p>
             <a:fld id="{90775BE1-9027-4D7F-92AC-3DE3C283D292}" type="datetimeFigureOut">
               <a:rPr lang="ko-KR" altLang="en-US" smtClean="0"/>
-              <a:t>2023-03-26</a:t>
+              <a:t>2023-08-19</a:t>
             </a:fld>
             <a:endParaRPr lang="ko-KR" altLang="en-US"/>
           </a:p>
@@ -4007,7 +4102,7 @@
           <a:p>
             <a:fld id="{90775BE1-9027-4D7F-92AC-3DE3C283D292}" type="datetimeFigureOut">
               <a:rPr lang="ko-KR" altLang="en-US" smtClean="0"/>
-              <a:t>2023-03-26</a:t>
+              <a:t>2023-08-19</a:t>
             </a:fld>
             <a:endParaRPr lang="ko-KR" altLang="en-US"/>
           </a:p>
@@ -4295,7 +4390,7 @@
           <a:p>
             <a:fld id="{90775BE1-9027-4D7F-92AC-3DE3C283D292}" type="datetimeFigureOut">
               <a:rPr lang="ko-KR" altLang="en-US" smtClean="0"/>
-              <a:t>2023-03-26</a:t>
+              <a:t>2023-08-19</a:t>
             </a:fld>
             <a:endParaRPr lang="ko-KR" altLang="en-US"/>
           </a:p>
@@ -4545,7 +4640,7 @@
           <a:p>
             <a:fld id="{90775BE1-9027-4D7F-92AC-3DE3C283D292}" type="datetimeFigureOut">
               <a:rPr lang="ko-KR" altLang="en-US" smtClean="0"/>
-              <a:t>2023-03-26</a:t>
+              <a:t>2023-08-19</a:t>
             </a:fld>
             <a:endParaRPr lang="ko-KR" altLang="en-US"/>
           </a:p>
@@ -7610,7 +7705,7 @@
 </p:sld>
 </file>
 
-<file path=ppt/slides/slide2.xml><?xml version="1.0" encoding="utf-8"?>
+<file path=ppt/slides/slide17.xml><?xml version="1.0" encoding="utf-8"?>
 <p:sld xmlns:a="http://schemas.openxmlformats.org/drawingml/2006/main" xmlns:r="http://schemas.openxmlformats.org/officeDocument/2006/relationships" xmlns:p="http://schemas.openxmlformats.org/presentationml/2006/main">
   <p:cSld>
     <p:spTree>
@@ -7627,41 +7722,12 @@
           <a:chExt cx="0" cy="0"/>
         </a:xfrm>
       </p:grpSpPr>
-      <p:pic>
-        <p:nvPicPr>
-          <p:cNvPr id="3" name="그림 2">
-            <a:extLst>
-              <a:ext uri="{FF2B5EF4-FFF2-40B4-BE49-F238E27FC236}">
-                <a16:creationId xmlns:a16="http://schemas.microsoft.com/office/drawing/2014/main" id="{E6ADDC7F-3CEB-8FA5-C353-A20D9004473F}"/>
-              </a:ext>
-            </a:extLst>
-          </p:cNvPr>
-          <p:cNvPicPr>
-            <a:picLocks noChangeAspect="1"/>
-          </p:cNvPicPr>
-          <p:nvPr/>
-        </p:nvPicPr>
-        <p:blipFill rotWithShape="1">
-          <a:blip r:embed="rId3"/>
-          <a:srcRect b="9885"/>
-          <a:stretch/>
-        </p:blipFill>
-        <p:spPr>
-          <a:xfrm>
-            <a:off x="1057984" y="1105226"/>
-            <a:ext cx="10076033" cy="4188134"/>
-          </a:xfrm>
-          <a:prstGeom prst="rect">
-            <a:avLst/>
-          </a:prstGeom>
-        </p:spPr>
-      </p:pic>
-      <p:sp>
-        <p:nvSpPr>
-          <p:cNvPr id="9" name="제목 1">
-            <a:extLst>
-              <a:ext uri="{FF2B5EF4-FFF2-40B4-BE49-F238E27FC236}">
-                <a16:creationId xmlns:a16="http://schemas.microsoft.com/office/drawing/2014/main" id="{6628CBDC-D94D-D5A8-D1E5-5484076AF844}"/>
+      <p:sp>
+        <p:nvSpPr>
+          <p:cNvPr id="5" name="제목 1">
+            <a:extLst>
+              <a:ext uri="{FF2B5EF4-FFF2-40B4-BE49-F238E27FC236}">
+                <a16:creationId xmlns:a16="http://schemas.microsoft.com/office/drawing/2014/main" id="{9087685E-7412-D106-1037-0BBE5C1F6A8F}"/>
               </a:ext>
             </a:extLst>
           </p:cNvPr>
@@ -7709,7 +7775,7 @@
                   <a:srgbClr val="00153E"/>
                 </a:solidFill>
               </a:rPr>
-              <a:t>GitHub </a:t>
+              <a:t>GitHub eclipse</a:t>
             </a:r>
             <a:r>
               <a:rPr lang="ko-KR" altLang="en-US" b="1" dirty="0">
@@ -7717,7 +7783,7 @@
                   <a:srgbClr val="00153E"/>
                 </a:solidFill>
               </a:rPr>
-              <a:t>토큰발행 </a:t>
+              <a:t> </a:t>
             </a:r>
             <a:r>
               <a:rPr lang="en-US" altLang="ko-KR" b="1" dirty="0">
@@ -7725,7 +7791,7 @@
                   <a:srgbClr val="00153E"/>
                 </a:solidFill>
               </a:rPr>
-              <a:t>- 2</a:t>
+              <a:t>import</a:t>
             </a:r>
             <a:endParaRPr lang="ko-KR" altLang="en-US" b="1" dirty="0">
               <a:solidFill>
@@ -7735,12 +7801,41 @@
           </a:p>
         </p:txBody>
       </p:sp>
-      <p:sp>
-        <p:nvSpPr>
-          <p:cNvPr id="15" name="직사각형 14">
-            <a:extLst>
-              <a:ext uri="{FF2B5EF4-FFF2-40B4-BE49-F238E27FC236}">
-                <a16:creationId xmlns:a16="http://schemas.microsoft.com/office/drawing/2014/main" id="{7709D30D-C669-79CC-55C1-3D3D3E12270D}"/>
+      <p:pic>
+        <p:nvPicPr>
+          <p:cNvPr id="7" name="그림 6">
+            <a:extLst>
+              <a:ext uri="{FF2B5EF4-FFF2-40B4-BE49-F238E27FC236}">
+                <a16:creationId xmlns:a16="http://schemas.microsoft.com/office/drawing/2014/main" id="{5F14C2CE-5942-C3AB-A8A0-7C9F93CF6BFF}"/>
+              </a:ext>
+            </a:extLst>
+          </p:cNvPr>
+          <p:cNvPicPr>
+            <a:picLocks noChangeAspect="1"/>
+          </p:cNvPicPr>
+          <p:nvPr/>
+        </p:nvPicPr>
+        <p:blipFill rotWithShape="1">
+          <a:blip r:embed="rId3"/>
+          <a:srcRect r="18068" b="13673"/>
+          <a:stretch/>
+        </p:blipFill>
+        <p:spPr>
+          <a:xfrm>
+            <a:off x="3789211" y="1155313"/>
+            <a:ext cx="3779989" cy="4818767"/>
+          </a:xfrm>
+          <a:prstGeom prst="rect">
+            <a:avLst/>
+          </a:prstGeom>
+        </p:spPr>
+      </p:pic>
+      <p:sp>
+        <p:nvSpPr>
+          <p:cNvPr id="8" name="직사각형 7">
+            <a:extLst>
+              <a:ext uri="{FF2B5EF4-FFF2-40B4-BE49-F238E27FC236}">
+                <a16:creationId xmlns:a16="http://schemas.microsoft.com/office/drawing/2014/main" id="{1C7A9E30-2983-DDDE-D3AB-162B51A82593}"/>
               </a:ext>
             </a:extLst>
           </p:cNvPr>
@@ -7749,8 +7844,8 @@
         </p:nvSpPr>
         <p:spPr>
           <a:xfrm>
-            <a:off x="1057982" y="3157555"/>
-            <a:ext cx="2701217" cy="271445"/>
+            <a:off x="3789211" y="1311319"/>
+            <a:ext cx="305269" cy="212681"/>
           </a:xfrm>
           <a:prstGeom prst="rect">
             <a:avLst/>
@@ -7783,16 +7878,16 @@
           <a:lstStyle/>
           <a:p>
             <a:pPr algn="ctr"/>
-            <a:endParaRPr lang="ko-KR" altLang="en-US"/>
-          </a:p>
-        </p:txBody>
-      </p:sp>
-      <p:sp>
-        <p:nvSpPr>
-          <p:cNvPr id="16" name="직사각형 15">
-            <a:extLst>
-              <a:ext uri="{FF2B5EF4-FFF2-40B4-BE49-F238E27FC236}">
-                <a16:creationId xmlns:a16="http://schemas.microsoft.com/office/drawing/2014/main" id="{43E02637-37E4-317E-0592-B5D8CC93C844}"/>
+            <a:endParaRPr lang="ko-KR" altLang="en-US" dirty="0"/>
+          </a:p>
+        </p:txBody>
+      </p:sp>
+      <p:sp>
+        <p:nvSpPr>
+          <p:cNvPr id="9" name="직사각형 8">
+            <a:extLst>
+              <a:ext uri="{FF2B5EF4-FFF2-40B4-BE49-F238E27FC236}">
+                <a16:creationId xmlns:a16="http://schemas.microsoft.com/office/drawing/2014/main" id="{13779449-4EBF-9953-4799-C4E8DB56C455}"/>
               </a:ext>
             </a:extLst>
           </p:cNvPr>
@@ -7801,8 +7896,8 @@
         </p:nvSpPr>
         <p:spPr>
           <a:xfrm>
-            <a:off x="1370201" y="3791527"/>
-            <a:ext cx="938889" cy="189345"/>
+            <a:off x="3789210" y="4440599"/>
+            <a:ext cx="2743670" cy="212681"/>
           </a:xfrm>
           <a:prstGeom prst="rect">
             <a:avLst/>
@@ -7841,10 +7936,186 @@
       </p:sp>
       <p:sp>
         <p:nvSpPr>
-          <p:cNvPr id="4" name="직사각형 3">
-            <a:extLst>
-              <a:ext uri="{FF2B5EF4-FFF2-40B4-BE49-F238E27FC236}">
-                <a16:creationId xmlns:a16="http://schemas.microsoft.com/office/drawing/2014/main" id="{D5FF899F-1CB7-12AD-6B8E-C7399979CBCE}"/>
+          <p:cNvPr id="11" name="TextBox 10">
+            <a:extLst>
+              <a:ext uri="{FF2B5EF4-FFF2-40B4-BE49-F238E27FC236}">
+                <a16:creationId xmlns:a16="http://schemas.microsoft.com/office/drawing/2014/main" id="{A0CA9534-1860-E142-E925-8A1B846E20E5}"/>
+              </a:ext>
+            </a:extLst>
+          </p:cNvPr>
+          <p:cNvSpPr txBox="1"/>
+          <p:nvPr/>
+        </p:nvSpPr>
+        <p:spPr>
+          <a:xfrm>
+            <a:off x="3048000" y="6265148"/>
+            <a:ext cx="6096000" cy="369332"/>
+          </a:xfrm>
+          <a:prstGeom prst="rect">
+            <a:avLst/>
+          </a:prstGeom>
+          <a:noFill/>
+        </p:spPr>
+        <p:txBody>
+          <a:bodyPr wrap="square">
+            <a:spAutoFit/>
+          </a:bodyPr>
+          <a:lstStyle/>
+          <a:p>
+            <a:pPr algn="ctr"/>
+            <a:r>
+              <a:rPr lang="en-US" altLang="ko-KR" dirty="0"/>
+              <a:t>File – Import…</a:t>
+            </a:r>
+            <a:endParaRPr lang="ko-KR" altLang="en-US" dirty="0"/>
+          </a:p>
+        </p:txBody>
+      </p:sp>
+    </p:spTree>
+    <p:extLst>
+      <p:ext uri="{BB962C8B-B14F-4D97-AF65-F5344CB8AC3E}">
+        <p14:creationId xmlns:p14="http://schemas.microsoft.com/office/powerpoint/2010/main" val="1287979133"/>
+      </p:ext>
+    </p:extLst>
+  </p:cSld>
+  <p:clrMapOvr>
+    <a:masterClrMapping/>
+  </p:clrMapOvr>
+</p:sld>
+</file>
+
+<file path=ppt/slides/slide18.xml><?xml version="1.0" encoding="utf-8"?>
+<p:sld xmlns:a="http://schemas.openxmlformats.org/drawingml/2006/main" xmlns:r="http://schemas.openxmlformats.org/officeDocument/2006/relationships" xmlns:p="http://schemas.openxmlformats.org/presentationml/2006/main">
+  <p:cSld>
+    <p:spTree>
+      <p:nvGrpSpPr>
+        <p:cNvPr id="1" name=""/>
+        <p:cNvGrpSpPr/>
+        <p:nvPr/>
+      </p:nvGrpSpPr>
+      <p:grpSpPr>
+        <a:xfrm>
+          <a:off x="0" y="0"/>
+          <a:ext cx="0" cy="0"/>
+          <a:chOff x="0" y="0"/>
+          <a:chExt cx="0" cy="0"/>
+        </a:xfrm>
+      </p:grpSpPr>
+      <p:pic>
+        <p:nvPicPr>
+          <p:cNvPr id="5" name="그림 4">
+            <a:extLst>
+              <a:ext uri="{FF2B5EF4-FFF2-40B4-BE49-F238E27FC236}">
+                <a16:creationId xmlns:a16="http://schemas.microsoft.com/office/drawing/2014/main" id="{25E83770-1D88-B2A4-F11C-FB2FF8D0904F}"/>
+              </a:ext>
+            </a:extLst>
+          </p:cNvPr>
+          <p:cNvPicPr>
+            <a:picLocks noChangeAspect="1"/>
+          </p:cNvPicPr>
+          <p:nvPr/>
+        </p:nvPicPr>
+        <p:blipFill>
+          <a:blip r:embed="rId2"/>
+          <a:stretch>
+            <a:fillRect/>
+          </a:stretch>
+        </p:blipFill>
+        <p:spPr>
+          <a:xfrm>
+            <a:off x="3652496" y="823549"/>
+            <a:ext cx="4887007" cy="5210902"/>
+          </a:xfrm>
+          <a:prstGeom prst="rect">
+            <a:avLst/>
+          </a:prstGeom>
+        </p:spPr>
+      </p:pic>
+      <p:sp>
+        <p:nvSpPr>
+          <p:cNvPr id="7" name="제목 1">
+            <a:extLst>
+              <a:ext uri="{FF2B5EF4-FFF2-40B4-BE49-F238E27FC236}">
+                <a16:creationId xmlns:a16="http://schemas.microsoft.com/office/drawing/2014/main" id="{9B2C24A7-0CB3-2229-E972-A3AD9E9A4B7C}"/>
+              </a:ext>
+            </a:extLst>
+          </p:cNvPr>
+          <p:cNvSpPr txBox="1">
+            <a:spLocks/>
+          </p:cNvSpPr>
+          <p:nvPr/>
+        </p:nvSpPr>
+        <p:spPr>
+          <a:xfrm>
+            <a:off x="391961" y="186770"/>
+            <a:ext cx="10635703" cy="644504"/>
+          </a:xfrm>
+          <a:prstGeom prst="rect">
+            <a:avLst/>
+          </a:prstGeom>
+        </p:spPr>
+        <p:txBody>
+          <a:bodyPr vert="horz" lIns="91440" tIns="45720" rIns="91440" bIns="45720" rtlCol="0" anchor="ctr">
+            <a:noAutofit/>
+          </a:bodyPr>
+          <a:lstStyle>
+            <a:lvl1pPr algn="l" defTabSz="914400" rtl="0" eaLnBrk="1" latinLnBrk="1" hangingPunct="1">
+              <a:lnSpc>
+                <a:spcPct val="90000"/>
+              </a:lnSpc>
+              <a:spcBef>
+                <a:spcPct val="0"/>
+              </a:spcBef>
+              <a:buNone/>
+              <a:defRPr sz="3200" kern="1200">
+                <a:solidFill>
+                  <a:schemeClr val="tx1"/>
+                </a:solidFill>
+                <a:latin typeface="+mj-lt"/>
+                <a:ea typeface="+mj-ea"/>
+                <a:cs typeface="+mj-cs"/>
+              </a:defRPr>
+            </a:lvl1pPr>
+          </a:lstStyle>
+          <a:p>
+            <a:r>
+              <a:rPr lang="en-US" altLang="ko-KR" b="1" dirty="0">
+                <a:solidFill>
+                  <a:srgbClr val="00153E"/>
+                </a:solidFill>
+              </a:rPr>
+              <a:t>GitHub eclipse</a:t>
+            </a:r>
+            <a:r>
+              <a:rPr lang="ko-KR" altLang="en-US" b="1" dirty="0">
+                <a:solidFill>
+                  <a:srgbClr val="00153E"/>
+                </a:solidFill>
+              </a:rPr>
+              <a:t> </a:t>
+            </a:r>
+            <a:r>
+              <a:rPr lang="en-US" altLang="ko-KR" b="1" dirty="0">
+                <a:solidFill>
+                  <a:srgbClr val="00153E"/>
+                </a:solidFill>
+              </a:rPr>
+              <a:t>import</a:t>
+            </a:r>
+            <a:endParaRPr lang="ko-KR" altLang="en-US" b="1" dirty="0">
+              <a:solidFill>
+                <a:srgbClr val="00153E"/>
+              </a:solidFill>
+            </a:endParaRPr>
+          </a:p>
+        </p:txBody>
+      </p:sp>
+      <p:sp>
+        <p:nvSpPr>
+          <p:cNvPr id="8" name="직사각형 7">
+            <a:extLst>
+              <a:ext uri="{FF2B5EF4-FFF2-40B4-BE49-F238E27FC236}">
+                <a16:creationId xmlns:a16="http://schemas.microsoft.com/office/drawing/2014/main" id="{7743C8A4-686E-B0FE-7EF4-061908B22E6F}"/>
               </a:ext>
             </a:extLst>
           </p:cNvPr>
@@ -7853,8 +8124,8 @@
         </p:nvSpPr>
         <p:spPr>
           <a:xfrm>
-            <a:off x="9585946" y="2530764"/>
-            <a:ext cx="1441718" cy="258618"/>
+            <a:off x="4083850" y="2693079"/>
+            <a:ext cx="1239990" cy="192361"/>
           </a:xfrm>
           <a:prstGeom prst="rect">
             <a:avLst/>
@@ -7891,6 +8162,491 @@
           </a:p>
         </p:txBody>
       </p:sp>
+    </p:spTree>
+    <p:extLst>
+      <p:ext uri="{BB962C8B-B14F-4D97-AF65-F5344CB8AC3E}">
+        <p14:creationId xmlns:p14="http://schemas.microsoft.com/office/powerpoint/2010/main" val="1090604810"/>
+      </p:ext>
+    </p:extLst>
+  </p:cSld>
+  <p:clrMapOvr>
+    <a:masterClrMapping/>
+  </p:clrMapOvr>
+</p:sld>
+</file>
+
+<file path=ppt/slides/slide19.xml><?xml version="1.0" encoding="utf-8"?>
+<p:sld xmlns:a="http://schemas.openxmlformats.org/drawingml/2006/main" xmlns:r="http://schemas.openxmlformats.org/officeDocument/2006/relationships" xmlns:p="http://schemas.openxmlformats.org/presentationml/2006/main">
+  <p:cSld>
+    <p:spTree>
+      <p:nvGrpSpPr>
+        <p:cNvPr id="1" name=""/>
+        <p:cNvGrpSpPr/>
+        <p:nvPr/>
+      </p:nvGrpSpPr>
+      <p:grpSpPr>
+        <a:xfrm>
+          <a:off x="0" y="0"/>
+          <a:ext cx="0" cy="0"/>
+          <a:chOff x="0" y="0"/>
+          <a:chExt cx="0" cy="0"/>
+        </a:xfrm>
+      </p:grpSpPr>
+      <p:pic>
+        <p:nvPicPr>
+          <p:cNvPr id="3" name="그림 2">
+            <a:extLst>
+              <a:ext uri="{FF2B5EF4-FFF2-40B4-BE49-F238E27FC236}">
+                <a16:creationId xmlns:a16="http://schemas.microsoft.com/office/drawing/2014/main" id="{4FB73881-E855-C1E0-56B4-B20ED2294D1B}"/>
+              </a:ext>
+            </a:extLst>
+          </p:cNvPr>
+          <p:cNvPicPr>
+            <a:picLocks noChangeAspect="1"/>
+          </p:cNvPicPr>
+          <p:nvPr/>
+        </p:nvPicPr>
+        <p:blipFill>
+          <a:blip r:embed="rId2"/>
+          <a:stretch>
+            <a:fillRect/>
+          </a:stretch>
+        </p:blipFill>
+        <p:spPr>
+          <a:xfrm>
+            <a:off x="3647733" y="818785"/>
+            <a:ext cx="4896533" cy="5220429"/>
+          </a:xfrm>
+          <a:prstGeom prst="rect">
+            <a:avLst/>
+          </a:prstGeom>
+        </p:spPr>
+      </p:pic>
+      <p:sp>
+        <p:nvSpPr>
+          <p:cNvPr id="7" name="제목 1">
+            <a:extLst>
+              <a:ext uri="{FF2B5EF4-FFF2-40B4-BE49-F238E27FC236}">
+                <a16:creationId xmlns:a16="http://schemas.microsoft.com/office/drawing/2014/main" id="{9B2C24A7-0CB3-2229-E972-A3AD9E9A4B7C}"/>
+              </a:ext>
+            </a:extLst>
+          </p:cNvPr>
+          <p:cNvSpPr txBox="1">
+            <a:spLocks/>
+          </p:cNvSpPr>
+          <p:nvPr/>
+        </p:nvSpPr>
+        <p:spPr>
+          <a:xfrm>
+            <a:off x="391961" y="186770"/>
+            <a:ext cx="10635703" cy="644504"/>
+          </a:xfrm>
+          <a:prstGeom prst="rect">
+            <a:avLst/>
+          </a:prstGeom>
+        </p:spPr>
+        <p:txBody>
+          <a:bodyPr vert="horz" lIns="91440" tIns="45720" rIns="91440" bIns="45720" rtlCol="0" anchor="ctr">
+            <a:noAutofit/>
+          </a:bodyPr>
+          <a:lstStyle>
+            <a:lvl1pPr algn="l" defTabSz="914400" rtl="0" eaLnBrk="1" latinLnBrk="1" hangingPunct="1">
+              <a:lnSpc>
+                <a:spcPct val="90000"/>
+              </a:lnSpc>
+              <a:spcBef>
+                <a:spcPct val="0"/>
+              </a:spcBef>
+              <a:buNone/>
+              <a:defRPr sz="3200" kern="1200">
+                <a:solidFill>
+                  <a:schemeClr val="tx1"/>
+                </a:solidFill>
+                <a:latin typeface="+mj-lt"/>
+                <a:ea typeface="+mj-ea"/>
+                <a:cs typeface="+mj-cs"/>
+              </a:defRPr>
+            </a:lvl1pPr>
+          </a:lstStyle>
+          <a:p>
+            <a:r>
+              <a:rPr lang="en-US" altLang="ko-KR" b="1" dirty="0">
+                <a:solidFill>
+                  <a:srgbClr val="00153E"/>
+                </a:solidFill>
+              </a:rPr>
+              <a:t>GitHub eclipse</a:t>
+            </a:r>
+            <a:r>
+              <a:rPr lang="ko-KR" altLang="en-US" b="1" dirty="0">
+                <a:solidFill>
+                  <a:srgbClr val="00153E"/>
+                </a:solidFill>
+              </a:rPr>
+              <a:t> </a:t>
+            </a:r>
+            <a:r>
+              <a:rPr lang="en-US" altLang="ko-KR" b="1" dirty="0">
+                <a:solidFill>
+                  <a:srgbClr val="00153E"/>
+                </a:solidFill>
+              </a:rPr>
+              <a:t>import</a:t>
+            </a:r>
+            <a:endParaRPr lang="ko-KR" altLang="en-US" b="1" dirty="0">
+              <a:solidFill>
+                <a:srgbClr val="00153E"/>
+              </a:solidFill>
+            </a:endParaRPr>
+          </a:p>
+        </p:txBody>
+      </p:sp>
+      <p:sp>
+        <p:nvSpPr>
+          <p:cNvPr id="8" name="직사각형 7">
+            <a:extLst>
+              <a:ext uri="{FF2B5EF4-FFF2-40B4-BE49-F238E27FC236}">
+                <a16:creationId xmlns:a16="http://schemas.microsoft.com/office/drawing/2014/main" id="{7743C8A4-686E-B0FE-7EF4-061908B22E6F}"/>
+              </a:ext>
+            </a:extLst>
+          </p:cNvPr>
+          <p:cNvSpPr/>
+          <p:nvPr/>
+        </p:nvSpPr>
+        <p:spPr>
+          <a:xfrm>
+            <a:off x="3819690" y="2235879"/>
+            <a:ext cx="1239990" cy="192361"/>
+          </a:xfrm>
+          <a:prstGeom prst="rect">
+            <a:avLst/>
+          </a:prstGeom>
+          <a:noFill/>
+          <a:ln w="38100">
+            <a:solidFill>
+              <a:srgbClr val="FF0000"/>
+            </a:solidFill>
+          </a:ln>
+        </p:spPr>
+        <p:style>
+          <a:lnRef idx="2">
+            <a:schemeClr val="accent1">
+              <a:shade val="50000"/>
+            </a:schemeClr>
+          </a:lnRef>
+          <a:fillRef idx="1">
+            <a:schemeClr val="accent1"/>
+          </a:fillRef>
+          <a:effectRef idx="0">
+            <a:schemeClr val="accent1"/>
+          </a:effectRef>
+          <a:fontRef idx="minor">
+            <a:schemeClr val="lt1"/>
+          </a:fontRef>
+        </p:style>
+        <p:txBody>
+          <a:bodyPr rtlCol="0" anchor="ctr"/>
+          <a:lstStyle/>
+          <a:p>
+            <a:pPr algn="ctr"/>
+            <a:endParaRPr lang="ko-KR" altLang="en-US" dirty="0"/>
+          </a:p>
+        </p:txBody>
+      </p:sp>
+    </p:spTree>
+    <p:extLst>
+      <p:ext uri="{BB962C8B-B14F-4D97-AF65-F5344CB8AC3E}">
+        <p14:creationId xmlns:p14="http://schemas.microsoft.com/office/powerpoint/2010/main" val="2872817668"/>
+      </p:ext>
+    </p:extLst>
+  </p:cSld>
+  <p:clrMapOvr>
+    <a:masterClrMapping/>
+  </p:clrMapOvr>
+</p:sld>
+</file>
+
+<file path=ppt/slides/slide2.xml><?xml version="1.0" encoding="utf-8"?>
+<p:sld xmlns:a="http://schemas.openxmlformats.org/drawingml/2006/main" xmlns:r="http://schemas.openxmlformats.org/officeDocument/2006/relationships" xmlns:p="http://schemas.openxmlformats.org/presentationml/2006/main">
+  <p:cSld>
+    <p:spTree>
+      <p:nvGrpSpPr>
+        <p:cNvPr id="1" name=""/>
+        <p:cNvGrpSpPr/>
+        <p:nvPr/>
+      </p:nvGrpSpPr>
+      <p:grpSpPr>
+        <a:xfrm>
+          <a:off x="0" y="0"/>
+          <a:ext cx="0" cy="0"/>
+          <a:chOff x="0" y="0"/>
+          <a:chExt cx="0" cy="0"/>
+        </a:xfrm>
+      </p:grpSpPr>
+      <p:pic>
+        <p:nvPicPr>
+          <p:cNvPr id="3" name="그림 2">
+            <a:extLst>
+              <a:ext uri="{FF2B5EF4-FFF2-40B4-BE49-F238E27FC236}">
+                <a16:creationId xmlns:a16="http://schemas.microsoft.com/office/drawing/2014/main" id="{E6ADDC7F-3CEB-8FA5-C353-A20D9004473F}"/>
+              </a:ext>
+            </a:extLst>
+          </p:cNvPr>
+          <p:cNvPicPr>
+            <a:picLocks noChangeAspect="1"/>
+          </p:cNvPicPr>
+          <p:nvPr/>
+        </p:nvPicPr>
+        <p:blipFill rotWithShape="1">
+          <a:blip r:embed="rId3"/>
+          <a:srcRect b="9885"/>
+          <a:stretch/>
+        </p:blipFill>
+        <p:spPr>
+          <a:xfrm>
+            <a:off x="1057984" y="1105226"/>
+            <a:ext cx="10076033" cy="4188134"/>
+          </a:xfrm>
+          <a:prstGeom prst="rect">
+            <a:avLst/>
+          </a:prstGeom>
+        </p:spPr>
+      </p:pic>
+      <p:sp>
+        <p:nvSpPr>
+          <p:cNvPr id="9" name="제목 1">
+            <a:extLst>
+              <a:ext uri="{FF2B5EF4-FFF2-40B4-BE49-F238E27FC236}">
+                <a16:creationId xmlns:a16="http://schemas.microsoft.com/office/drawing/2014/main" id="{6628CBDC-D94D-D5A8-D1E5-5484076AF844}"/>
+              </a:ext>
+            </a:extLst>
+          </p:cNvPr>
+          <p:cNvSpPr txBox="1">
+            <a:spLocks/>
+          </p:cNvSpPr>
+          <p:nvPr/>
+        </p:nvSpPr>
+        <p:spPr>
+          <a:xfrm>
+            <a:off x="391961" y="186770"/>
+            <a:ext cx="10635703" cy="644504"/>
+          </a:xfrm>
+          <a:prstGeom prst="rect">
+            <a:avLst/>
+          </a:prstGeom>
+        </p:spPr>
+        <p:txBody>
+          <a:bodyPr vert="horz" lIns="91440" tIns="45720" rIns="91440" bIns="45720" rtlCol="0" anchor="ctr">
+            <a:noAutofit/>
+          </a:bodyPr>
+          <a:lstStyle>
+            <a:lvl1pPr algn="l" defTabSz="914400" rtl="0" eaLnBrk="1" latinLnBrk="1" hangingPunct="1">
+              <a:lnSpc>
+                <a:spcPct val="90000"/>
+              </a:lnSpc>
+              <a:spcBef>
+                <a:spcPct val="0"/>
+              </a:spcBef>
+              <a:buNone/>
+              <a:defRPr sz="3200" kern="1200">
+                <a:solidFill>
+                  <a:schemeClr val="tx1"/>
+                </a:solidFill>
+                <a:latin typeface="+mj-lt"/>
+                <a:ea typeface="+mj-ea"/>
+                <a:cs typeface="+mj-cs"/>
+              </a:defRPr>
+            </a:lvl1pPr>
+          </a:lstStyle>
+          <a:p>
+            <a:r>
+              <a:rPr lang="en-US" altLang="ko-KR" b="1" dirty="0">
+                <a:solidFill>
+                  <a:srgbClr val="00153E"/>
+                </a:solidFill>
+              </a:rPr>
+              <a:t>GitHub </a:t>
+            </a:r>
+            <a:r>
+              <a:rPr lang="ko-KR" altLang="en-US" b="1" dirty="0">
+                <a:solidFill>
+                  <a:srgbClr val="00153E"/>
+                </a:solidFill>
+              </a:rPr>
+              <a:t>토큰발행 </a:t>
+            </a:r>
+            <a:r>
+              <a:rPr lang="en-US" altLang="ko-KR" b="1" dirty="0">
+                <a:solidFill>
+                  <a:srgbClr val="00153E"/>
+                </a:solidFill>
+              </a:rPr>
+              <a:t>- 2</a:t>
+            </a:r>
+            <a:endParaRPr lang="ko-KR" altLang="en-US" b="1" dirty="0">
+              <a:solidFill>
+                <a:srgbClr val="00153E"/>
+              </a:solidFill>
+            </a:endParaRPr>
+          </a:p>
+        </p:txBody>
+      </p:sp>
+      <p:sp>
+        <p:nvSpPr>
+          <p:cNvPr id="15" name="직사각형 14">
+            <a:extLst>
+              <a:ext uri="{FF2B5EF4-FFF2-40B4-BE49-F238E27FC236}">
+                <a16:creationId xmlns:a16="http://schemas.microsoft.com/office/drawing/2014/main" id="{7709D30D-C669-79CC-55C1-3D3D3E12270D}"/>
+              </a:ext>
+            </a:extLst>
+          </p:cNvPr>
+          <p:cNvSpPr/>
+          <p:nvPr/>
+        </p:nvSpPr>
+        <p:spPr>
+          <a:xfrm>
+            <a:off x="1057982" y="3157555"/>
+            <a:ext cx="2701217" cy="271445"/>
+          </a:xfrm>
+          <a:prstGeom prst="rect">
+            <a:avLst/>
+          </a:prstGeom>
+          <a:noFill/>
+          <a:ln w="38100">
+            <a:solidFill>
+              <a:srgbClr val="FF0000"/>
+            </a:solidFill>
+          </a:ln>
+        </p:spPr>
+        <p:style>
+          <a:lnRef idx="2">
+            <a:schemeClr val="accent1">
+              <a:shade val="50000"/>
+            </a:schemeClr>
+          </a:lnRef>
+          <a:fillRef idx="1">
+            <a:schemeClr val="accent1"/>
+          </a:fillRef>
+          <a:effectRef idx="0">
+            <a:schemeClr val="accent1"/>
+          </a:effectRef>
+          <a:fontRef idx="minor">
+            <a:schemeClr val="lt1"/>
+          </a:fontRef>
+        </p:style>
+        <p:txBody>
+          <a:bodyPr rtlCol="0" anchor="ctr"/>
+          <a:lstStyle/>
+          <a:p>
+            <a:pPr algn="ctr"/>
+            <a:endParaRPr lang="ko-KR" altLang="en-US"/>
+          </a:p>
+        </p:txBody>
+      </p:sp>
+      <p:sp>
+        <p:nvSpPr>
+          <p:cNvPr id="16" name="직사각형 15">
+            <a:extLst>
+              <a:ext uri="{FF2B5EF4-FFF2-40B4-BE49-F238E27FC236}">
+                <a16:creationId xmlns:a16="http://schemas.microsoft.com/office/drawing/2014/main" id="{43E02637-37E4-317E-0592-B5D8CC93C844}"/>
+              </a:ext>
+            </a:extLst>
+          </p:cNvPr>
+          <p:cNvSpPr/>
+          <p:nvPr/>
+        </p:nvSpPr>
+        <p:spPr>
+          <a:xfrm>
+            <a:off x="1370201" y="3791527"/>
+            <a:ext cx="938889" cy="189345"/>
+          </a:xfrm>
+          <a:prstGeom prst="rect">
+            <a:avLst/>
+          </a:prstGeom>
+          <a:noFill/>
+          <a:ln w="38100">
+            <a:solidFill>
+              <a:srgbClr val="FF0000"/>
+            </a:solidFill>
+          </a:ln>
+        </p:spPr>
+        <p:style>
+          <a:lnRef idx="2">
+            <a:schemeClr val="accent1">
+              <a:shade val="50000"/>
+            </a:schemeClr>
+          </a:lnRef>
+          <a:fillRef idx="1">
+            <a:schemeClr val="accent1"/>
+          </a:fillRef>
+          <a:effectRef idx="0">
+            <a:schemeClr val="accent1"/>
+          </a:effectRef>
+          <a:fontRef idx="minor">
+            <a:schemeClr val="lt1"/>
+          </a:fontRef>
+        </p:style>
+        <p:txBody>
+          <a:bodyPr rtlCol="0" anchor="ctr"/>
+          <a:lstStyle/>
+          <a:p>
+            <a:pPr algn="ctr"/>
+            <a:endParaRPr lang="ko-KR" altLang="en-US" dirty="0"/>
+          </a:p>
+        </p:txBody>
+      </p:sp>
+      <p:sp>
+        <p:nvSpPr>
+          <p:cNvPr id="4" name="직사각형 3">
+            <a:extLst>
+              <a:ext uri="{FF2B5EF4-FFF2-40B4-BE49-F238E27FC236}">
+                <a16:creationId xmlns:a16="http://schemas.microsoft.com/office/drawing/2014/main" id="{D5FF899F-1CB7-12AD-6B8E-C7399979CBCE}"/>
+              </a:ext>
+            </a:extLst>
+          </p:cNvPr>
+          <p:cNvSpPr/>
+          <p:nvPr/>
+        </p:nvSpPr>
+        <p:spPr>
+          <a:xfrm>
+            <a:off x="9585946" y="2530764"/>
+            <a:ext cx="1441718" cy="258618"/>
+          </a:xfrm>
+          <a:prstGeom prst="rect">
+            <a:avLst/>
+          </a:prstGeom>
+          <a:noFill/>
+          <a:ln w="38100">
+            <a:solidFill>
+              <a:srgbClr val="FF0000"/>
+            </a:solidFill>
+          </a:ln>
+        </p:spPr>
+        <p:style>
+          <a:lnRef idx="2">
+            <a:schemeClr val="accent1">
+              <a:shade val="50000"/>
+            </a:schemeClr>
+          </a:lnRef>
+          <a:fillRef idx="1">
+            <a:schemeClr val="accent1"/>
+          </a:fillRef>
+          <a:effectRef idx="0">
+            <a:schemeClr val="accent1"/>
+          </a:effectRef>
+          <a:fontRef idx="minor">
+            <a:schemeClr val="lt1"/>
+          </a:fontRef>
+        </p:style>
+        <p:txBody>
+          <a:bodyPr rtlCol="0" anchor="ctr"/>
+          <a:lstStyle/>
+          <a:p>
+            <a:pPr algn="ctr"/>
+            <a:endParaRPr lang="ko-KR" altLang="en-US" dirty="0"/>
+          </a:p>
+        </p:txBody>
+      </p:sp>
       <p:sp>
         <p:nvSpPr>
           <p:cNvPr id="18" name="TextBox 17">
@@ -7949,6 +8705,1822 @@
     <p:extLst>
       <p:ext uri="{BB962C8B-B14F-4D97-AF65-F5344CB8AC3E}">
         <p14:creationId xmlns:p14="http://schemas.microsoft.com/office/powerpoint/2010/main" val="2111479516"/>
+      </p:ext>
+    </p:extLst>
+  </p:cSld>
+  <p:clrMapOvr>
+    <a:masterClrMapping/>
+  </p:clrMapOvr>
+</p:sld>
+</file>
+
+<file path=ppt/slides/slide20.xml><?xml version="1.0" encoding="utf-8"?>
+<p:sld xmlns:a="http://schemas.openxmlformats.org/drawingml/2006/main" xmlns:r="http://schemas.openxmlformats.org/officeDocument/2006/relationships" xmlns:p="http://schemas.openxmlformats.org/presentationml/2006/main">
+  <p:cSld>
+    <p:spTree>
+      <p:nvGrpSpPr>
+        <p:cNvPr id="1" name=""/>
+        <p:cNvGrpSpPr/>
+        <p:nvPr/>
+      </p:nvGrpSpPr>
+      <p:grpSpPr>
+        <a:xfrm>
+          <a:off x="0" y="0"/>
+          <a:ext cx="0" cy="0"/>
+          <a:chOff x="0" y="0"/>
+          <a:chExt cx="0" cy="0"/>
+        </a:xfrm>
+      </p:grpSpPr>
+      <p:sp>
+        <p:nvSpPr>
+          <p:cNvPr id="7" name="제목 1">
+            <a:extLst>
+              <a:ext uri="{FF2B5EF4-FFF2-40B4-BE49-F238E27FC236}">
+                <a16:creationId xmlns:a16="http://schemas.microsoft.com/office/drawing/2014/main" id="{9B2C24A7-0CB3-2229-E972-A3AD9E9A4B7C}"/>
+              </a:ext>
+            </a:extLst>
+          </p:cNvPr>
+          <p:cNvSpPr txBox="1">
+            <a:spLocks/>
+          </p:cNvSpPr>
+          <p:nvPr/>
+        </p:nvSpPr>
+        <p:spPr>
+          <a:xfrm>
+            <a:off x="391961" y="186770"/>
+            <a:ext cx="10635703" cy="644504"/>
+          </a:xfrm>
+          <a:prstGeom prst="rect">
+            <a:avLst/>
+          </a:prstGeom>
+        </p:spPr>
+        <p:txBody>
+          <a:bodyPr vert="horz" lIns="91440" tIns="45720" rIns="91440" bIns="45720" rtlCol="0" anchor="ctr">
+            <a:noAutofit/>
+          </a:bodyPr>
+          <a:lstStyle>
+            <a:lvl1pPr algn="l" defTabSz="914400" rtl="0" eaLnBrk="1" latinLnBrk="1" hangingPunct="1">
+              <a:lnSpc>
+                <a:spcPct val="90000"/>
+              </a:lnSpc>
+              <a:spcBef>
+                <a:spcPct val="0"/>
+              </a:spcBef>
+              <a:buNone/>
+              <a:defRPr sz="3200" kern="1200">
+                <a:solidFill>
+                  <a:schemeClr val="tx1"/>
+                </a:solidFill>
+                <a:latin typeface="+mj-lt"/>
+                <a:ea typeface="+mj-ea"/>
+                <a:cs typeface="+mj-cs"/>
+              </a:defRPr>
+            </a:lvl1pPr>
+          </a:lstStyle>
+          <a:p>
+            <a:r>
+              <a:rPr lang="en-US" altLang="ko-KR" b="1" dirty="0">
+                <a:solidFill>
+                  <a:srgbClr val="00153E"/>
+                </a:solidFill>
+              </a:rPr>
+              <a:t>GitHub eclipse</a:t>
+            </a:r>
+            <a:r>
+              <a:rPr lang="ko-KR" altLang="en-US" b="1" dirty="0">
+                <a:solidFill>
+                  <a:srgbClr val="00153E"/>
+                </a:solidFill>
+              </a:rPr>
+              <a:t> </a:t>
+            </a:r>
+            <a:r>
+              <a:rPr lang="en-US" altLang="ko-KR" b="1" dirty="0">
+                <a:solidFill>
+                  <a:srgbClr val="00153E"/>
+                </a:solidFill>
+              </a:rPr>
+              <a:t>import</a:t>
+            </a:r>
+            <a:endParaRPr lang="ko-KR" altLang="en-US" b="1" dirty="0">
+              <a:solidFill>
+                <a:srgbClr val="00153E"/>
+              </a:solidFill>
+            </a:endParaRPr>
+          </a:p>
+        </p:txBody>
+      </p:sp>
+      <p:sp>
+        <p:nvSpPr>
+          <p:cNvPr id="8" name="직사각형 7">
+            <a:extLst>
+              <a:ext uri="{FF2B5EF4-FFF2-40B4-BE49-F238E27FC236}">
+                <a16:creationId xmlns:a16="http://schemas.microsoft.com/office/drawing/2014/main" id="{7743C8A4-686E-B0FE-7EF4-061908B22E6F}"/>
+              </a:ext>
+            </a:extLst>
+          </p:cNvPr>
+          <p:cNvSpPr/>
+          <p:nvPr/>
+        </p:nvSpPr>
+        <p:spPr>
+          <a:xfrm>
+            <a:off x="3819690" y="2235879"/>
+            <a:ext cx="1239990" cy="192361"/>
+          </a:xfrm>
+          <a:prstGeom prst="rect">
+            <a:avLst/>
+          </a:prstGeom>
+          <a:noFill/>
+          <a:ln w="38100">
+            <a:solidFill>
+              <a:srgbClr val="FF0000"/>
+            </a:solidFill>
+          </a:ln>
+        </p:spPr>
+        <p:style>
+          <a:lnRef idx="2">
+            <a:schemeClr val="accent1">
+              <a:shade val="50000"/>
+            </a:schemeClr>
+          </a:lnRef>
+          <a:fillRef idx="1">
+            <a:schemeClr val="accent1"/>
+          </a:fillRef>
+          <a:effectRef idx="0">
+            <a:schemeClr val="accent1"/>
+          </a:effectRef>
+          <a:fontRef idx="minor">
+            <a:schemeClr val="lt1"/>
+          </a:fontRef>
+        </p:style>
+        <p:txBody>
+          <a:bodyPr rtlCol="0" anchor="ctr"/>
+          <a:lstStyle/>
+          <a:p>
+            <a:pPr algn="ctr"/>
+            <a:endParaRPr lang="ko-KR" altLang="en-US" dirty="0"/>
+          </a:p>
+        </p:txBody>
+      </p:sp>
+      <p:pic>
+        <p:nvPicPr>
+          <p:cNvPr id="4" name="그림 3">
+            <a:extLst>
+              <a:ext uri="{FF2B5EF4-FFF2-40B4-BE49-F238E27FC236}">
+                <a16:creationId xmlns:a16="http://schemas.microsoft.com/office/drawing/2014/main" id="{3AEAA1A0-3E14-8C81-5616-97F79697BCB1}"/>
+              </a:ext>
+            </a:extLst>
+          </p:cNvPr>
+          <p:cNvPicPr>
+            <a:picLocks noChangeAspect="1"/>
+          </p:cNvPicPr>
+          <p:nvPr/>
+        </p:nvPicPr>
+        <p:blipFill>
+          <a:blip r:embed="rId2"/>
+          <a:stretch>
+            <a:fillRect/>
+          </a:stretch>
+        </p:blipFill>
+        <p:spPr>
+          <a:xfrm>
+            <a:off x="1594809" y="831274"/>
+            <a:ext cx="9002381" cy="5868219"/>
+          </a:xfrm>
+          <a:prstGeom prst="rect">
+            <a:avLst/>
+          </a:prstGeom>
+        </p:spPr>
+      </p:pic>
+      <p:sp>
+        <p:nvSpPr>
+          <p:cNvPr id="5" name="직사각형 4">
+            <a:extLst>
+              <a:ext uri="{FF2B5EF4-FFF2-40B4-BE49-F238E27FC236}">
+                <a16:creationId xmlns:a16="http://schemas.microsoft.com/office/drawing/2014/main" id="{520BF059-6EFA-A1B7-A64B-5B7D7F04DEEA}"/>
+              </a:ext>
+            </a:extLst>
+          </p:cNvPr>
+          <p:cNvSpPr/>
+          <p:nvPr/>
+        </p:nvSpPr>
+        <p:spPr>
+          <a:xfrm>
+            <a:off x="6684810" y="3476842"/>
+            <a:ext cx="3688550" cy="292518"/>
+          </a:xfrm>
+          <a:prstGeom prst="rect">
+            <a:avLst/>
+          </a:prstGeom>
+          <a:noFill/>
+          <a:ln w="38100">
+            <a:solidFill>
+              <a:srgbClr val="FF0000"/>
+            </a:solidFill>
+          </a:ln>
+        </p:spPr>
+        <p:style>
+          <a:lnRef idx="2">
+            <a:schemeClr val="accent1">
+              <a:shade val="50000"/>
+            </a:schemeClr>
+          </a:lnRef>
+          <a:fillRef idx="1">
+            <a:schemeClr val="accent1"/>
+          </a:fillRef>
+          <a:effectRef idx="0">
+            <a:schemeClr val="accent1"/>
+          </a:effectRef>
+          <a:fontRef idx="minor">
+            <a:schemeClr val="lt1"/>
+          </a:fontRef>
+        </p:style>
+        <p:txBody>
+          <a:bodyPr rtlCol="0" anchor="ctr"/>
+          <a:lstStyle/>
+          <a:p>
+            <a:pPr algn="ctr"/>
+            <a:endParaRPr lang="ko-KR" altLang="en-US" dirty="0"/>
+          </a:p>
+        </p:txBody>
+      </p:sp>
+    </p:spTree>
+    <p:extLst>
+      <p:ext uri="{BB962C8B-B14F-4D97-AF65-F5344CB8AC3E}">
+        <p14:creationId xmlns:p14="http://schemas.microsoft.com/office/powerpoint/2010/main" val="4100860409"/>
+      </p:ext>
+    </p:extLst>
+  </p:cSld>
+  <p:clrMapOvr>
+    <a:masterClrMapping/>
+  </p:clrMapOvr>
+</p:sld>
+</file>
+
+<file path=ppt/slides/slide21.xml><?xml version="1.0" encoding="utf-8"?>
+<p:sld xmlns:a="http://schemas.openxmlformats.org/drawingml/2006/main" xmlns:r="http://schemas.openxmlformats.org/officeDocument/2006/relationships" xmlns:p="http://schemas.openxmlformats.org/presentationml/2006/main">
+  <p:cSld>
+    <p:spTree>
+      <p:nvGrpSpPr>
+        <p:cNvPr id="1" name=""/>
+        <p:cNvGrpSpPr/>
+        <p:nvPr/>
+      </p:nvGrpSpPr>
+      <p:grpSpPr>
+        <a:xfrm>
+          <a:off x="0" y="0"/>
+          <a:ext cx="0" cy="0"/>
+          <a:chOff x="0" y="0"/>
+          <a:chExt cx="0" cy="0"/>
+        </a:xfrm>
+      </p:grpSpPr>
+      <p:pic>
+        <p:nvPicPr>
+          <p:cNvPr id="3" name="그림 2">
+            <a:extLst>
+              <a:ext uri="{FF2B5EF4-FFF2-40B4-BE49-F238E27FC236}">
+                <a16:creationId xmlns:a16="http://schemas.microsoft.com/office/drawing/2014/main" id="{C0CD1254-C67C-D554-F1AA-AF97BA6EA2F9}"/>
+              </a:ext>
+            </a:extLst>
+          </p:cNvPr>
+          <p:cNvPicPr>
+            <a:picLocks noChangeAspect="1"/>
+          </p:cNvPicPr>
+          <p:nvPr/>
+        </p:nvPicPr>
+        <p:blipFill>
+          <a:blip r:embed="rId2"/>
+          <a:stretch>
+            <a:fillRect/>
+          </a:stretch>
+        </p:blipFill>
+        <p:spPr>
+          <a:xfrm>
+            <a:off x="3623917" y="912126"/>
+            <a:ext cx="4944165" cy="5277587"/>
+          </a:xfrm>
+          <a:prstGeom prst="rect">
+            <a:avLst/>
+          </a:prstGeom>
+        </p:spPr>
+      </p:pic>
+      <p:sp>
+        <p:nvSpPr>
+          <p:cNvPr id="7" name="제목 1">
+            <a:extLst>
+              <a:ext uri="{FF2B5EF4-FFF2-40B4-BE49-F238E27FC236}">
+                <a16:creationId xmlns:a16="http://schemas.microsoft.com/office/drawing/2014/main" id="{9B2C24A7-0CB3-2229-E972-A3AD9E9A4B7C}"/>
+              </a:ext>
+            </a:extLst>
+          </p:cNvPr>
+          <p:cNvSpPr txBox="1">
+            <a:spLocks/>
+          </p:cNvSpPr>
+          <p:nvPr/>
+        </p:nvSpPr>
+        <p:spPr>
+          <a:xfrm>
+            <a:off x="391961" y="186770"/>
+            <a:ext cx="10635703" cy="644504"/>
+          </a:xfrm>
+          <a:prstGeom prst="rect">
+            <a:avLst/>
+          </a:prstGeom>
+        </p:spPr>
+        <p:txBody>
+          <a:bodyPr vert="horz" lIns="91440" tIns="45720" rIns="91440" bIns="45720" rtlCol="0" anchor="ctr">
+            <a:noAutofit/>
+          </a:bodyPr>
+          <a:lstStyle>
+            <a:lvl1pPr algn="l" defTabSz="914400" rtl="0" eaLnBrk="1" latinLnBrk="1" hangingPunct="1">
+              <a:lnSpc>
+                <a:spcPct val="90000"/>
+              </a:lnSpc>
+              <a:spcBef>
+                <a:spcPct val="0"/>
+              </a:spcBef>
+              <a:buNone/>
+              <a:defRPr sz="3200" kern="1200">
+                <a:solidFill>
+                  <a:schemeClr val="tx1"/>
+                </a:solidFill>
+                <a:latin typeface="+mj-lt"/>
+                <a:ea typeface="+mj-ea"/>
+                <a:cs typeface="+mj-cs"/>
+              </a:defRPr>
+            </a:lvl1pPr>
+          </a:lstStyle>
+          <a:p>
+            <a:r>
+              <a:rPr lang="en-US" altLang="ko-KR" b="1" dirty="0">
+                <a:solidFill>
+                  <a:srgbClr val="00153E"/>
+                </a:solidFill>
+              </a:rPr>
+              <a:t>GitHub eclipse</a:t>
+            </a:r>
+            <a:r>
+              <a:rPr lang="ko-KR" altLang="en-US" b="1" dirty="0">
+                <a:solidFill>
+                  <a:srgbClr val="00153E"/>
+                </a:solidFill>
+              </a:rPr>
+              <a:t> </a:t>
+            </a:r>
+            <a:r>
+              <a:rPr lang="en-US" altLang="ko-KR" b="1" dirty="0">
+                <a:solidFill>
+                  <a:srgbClr val="00153E"/>
+                </a:solidFill>
+              </a:rPr>
+              <a:t>import</a:t>
+            </a:r>
+            <a:endParaRPr lang="ko-KR" altLang="en-US" b="1" dirty="0">
+              <a:solidFill>
+                <a:srgbClr val="00153E"/>
+              </a:solidFill>
+            </a:endParaRPr>
+          </a:p>
+        </p:txBody>
+      </p:sp>
+      <p:sp>
+        <p:nvSpPr>
+          <p:cNvPr id="5" name="직사각형 4">
+            <a:extLst>
+              <a:ext uri="{FF2B5EF4-FFF2-40B4-BE49-F238E27FC236}">
+                <a16:creationId xmlns:a16="http://schemas.microsoft.com/office/drawing/2014/main" id="{520BF059-6EFA-A1B7-A64B-5B7D7F04DEEA}"/>
+              </a:ext>
+            </a:extLst>
+          </p:cNvPr>
+          <p:cNvSpPr/>
+          <p:nvPr/>
+        </p:nvSpPr>
+        <p:spPr>
+          <a:xfrm>
+            <a:off x="3865537" y="2227162"/>
+            <a:ext cx="2504783" cy="302678"/>
+          </a:xfrm>
+          <a:prstGeom prst="rect">
+            <a:avLst/>
+          </a:prstGeom>
+          <a:noFill/>
+          <a:ln w="38100">
+            <a:solidFill>
+              <a:srgbClr val="FF0000"/>
+            </a:solidFill>
+          </a:ln>
+        </p:spPr>
+        <p:style>
+          <a:lnRef idx="2">
+            <a:schemeClr val="accent1">
+              <a:shade val="50000"/>
+            </a:schemeClr>
+          </a:lnRef>
+          <a:fillRef idx="1">
+            <a:schemeClr val="accent1"/>
+          </a:fillRef>
+          <a:effectRef idx="0">
+            <a:schemeClr val="accent1"/>
+          </a:effectRef>
+          <a:fontRef idx="minor">
+            <a:schemeClr val="lt1"/>
+          </a:fontRef>
+        </p:style>
+        <p:txBody>
+          <a:bodyPr rtlCol="0" anchor="ctr"/>
+          <a:lstStyle/>
+          <a:p>
+            <a:pPr algn="ctr"/>
+            <a:endParaRPr lang="ko-KR" altLang="en-US" dirty="0"/>
+          </a:p>
+        </p:txBody>
+      </p:sp>
+      <p:sp>
+        <p:nvSpPr>
+          <p:cNvPr id="6" name="직사각형 5">
+            <a:extLst>
+              <a:ext uri="{FF2B5EF4-FFF2-40B4-BE49-F238E27FC236}">
+                <a16:creationId xmlns:a16="http://schemas.microsoft.com/office/drawing/2014/main" id="{52888F52-7F24-22E3-0988-8F250D1F12EA}"/>
+              </a:ext>
+            </a:extLst>
+          </p:cNvPr>
+          <p:cNvSpPr/>
+          <p:nvPr/>
+        </p:nvSpPr>
+        <p:spPr>
+          <a:xfrm>
+            <a:off x="3865536" y="4025482"/>
+            <a:ext cx="4485984" cy="810677"/>
+          </a:xfrm>
+          <a:prstGeom prst="rect">
+            <a:avLst/>
+          </a:prstGeom>
+          <a:noFill/>
+          <a:ln w="38100">
+            <a:solidFill>
+              <a:srgbClr val="FF0000"/>
+            </a:solidFill>
+          </a:ln>
+        </p:spPr>
+        <p:style>
+          <a:lnRef idx="2">
+            <a:schemeClr val="accent1">
+              <a:shade val="50000"/>
+            </a:schemeClr>
+          </a:lnRef>
+          <a:fillRef idx="1">
+            <a:schemeClr val="accent1"/>
+          </a:fillRef>
+          <a:effectRef idx="0">
+            <a:schemeClr val="accent1"/>
+          </a:effectRef>
+          <a:fontRef idx="minor">
+            <a:schemeClr val="lt1"/>
+          </a:fontRef>
+        </p:style>
+        <p:txBody>
+          <a:bodyPr rtlCol="0" anchor="ctr"/>
+          <a:lstStyle/>
+          <a:p>
+            <a:pPr algn="ctr"/>
+            <a:endParaRPr lang="ko-KR" altLang="en-US" dirty="0"/>
+          </a:p>
+        </p:txBody>
+      </p:sp>
+      <p:sp>
+        <p:nvSpPr>
+          <p:cNvPr id="9" name="직사각형 8">
+            <a:extLst>
+              <a:ext uri="{FF2B5EF4-FFF2-40B4-BE49-F238E27FC236}">
+                <a16:creationId xmlns:a16="http://schemas.microsoft.com/office/drawing/2014/main" id="{6963FB27-7B1B-1830-9D26-5820E61AF39F}"/>
+              </a:ext>
+            </a:extLst>
+          </p:cNvPr>
+          <p:cNvSpPr/>
+          <p:nvPr/>
+        </p:nvSpPr>
+        <p:spPr>
+          <a:xfrm>
+            <a:off x="5709812" y="5721519"/>
+            <a:ext cx="863708" cy="333842"/>
+          </a:xfrm>
+          <a:prstGeom prst="rect">
+            <a:avLst/>
+          </a:prstGeom>
+          <a:noFill/>
+          <a:ln w="38100">
+            <a:solidFill>
+              <a:srgbClr val="FF0000"/>
+            </a:solidFill>
+          </a:ln>
+        </p:spPr>
+        <p:style>
+          <a:lnRef idx="2">
+            <a:schemeClr val="accent1">
+              <a:shade val="50000"/>
+            </a:schemeClr>
+          </a:lnRef>
+          <a:fillRef idx="1">
+            <a:schemeClr val="accent1"/>
+          </a:fillRef>
+          <a:effectRef idx="0">
+            <a:schemeClr val="accent1"/>
+          </a:effectRef>
+          <a:fontRef idx="minor">
+            <a:schemeClr val="lt1"/>
+          </a:fontRef>
+        </p:style>
+        <p:txBody>
+          <a:bodyPr rtlCol="0" anchor="ctr"/>
+          <a:lstStyle/>
+          <a:p>
+            <a:pPr algn="ctr"/>
+            <a:endParaRPr lang="ko-KR" altLang="en-US" dirty="0"/>
+          </a:p>
+        </p:txBody>
+      </p:sp>
+    </p:spTree>
+    <p:extLst>
+      <p:ext uri="{BB962C8B-B14F-4D97-AF65-F5344CB8AC3E}">
+        <p14:creationId xmlns:p14="http://schemas.microsoft.com/office/powerpoint/2010/main" val="3940912165"/>
+      </p:ext>
+    </p:extLst>
+  </p:cSld>
+  <p:clrMapOvr>
+    <a:masterClrMapping/>
+  </p:clrMapOvr>
+</p:sld>
+</file>
+
+<file path=ppt/slides/slide22.xml><?xml version="1.0" encoding="utf-8"?>
+<p:sld xmlns:a="http://schemas.openxmlformats.org/drawingml/2006/main" xmlns:r="http://schemas.openxmlformats.org/officeDocument/2006/relationships" xmlns:p="http://schemas.openxmlformats.org/presentationml/2006/main">
+  <p:cSld>
+    <p:spTree>
+      <p:nvGrpSpPr>
+        <p:cNvPr id="1" name=""/>
+        <p:cNvGrpSpPr/>
+        <p:nvPr/>
+      </p:nvGrpSpPr>
+      <p:grpSpPr>
+        <a:xfrm>
+          <a:off x="0" y="0"/>
+          <a:ext cx="0" cy="0"/>
+          <a:chOff x="0" y="0"/>
+          <a:chExt cx="0" cy="0"/>
+        </a:xfrm>
+      </p:grpSpPr>
+      <p:pic>
+        <p:nvPicPr>
+          <p:cNvPr id="4" name="그림 3">
+            <a:extLst>
+              <a:ext uri="{FF2B5EF4-FFF2-40B4-BE49-F238E27FC236}">
+                <a16:creationId xmlns:a16="http://schemas.microsoft.com/office/drawing/2014/main" id="{552ED8A1-04D5-A7D4-A85F-4089834D5A2A}"/>
+              </a:ext>
+            </a:extLst>
+          </p:cNvPr>
+          <p:cNvPicPr>
+            <a:picLocks noChangeAspect="1"/>
+          </p:cNvPicPr>
+          <p:nvPr/>
+        </p:nvPicPr>
+        <p:blipFill>
+          <a:blip r:embed="rId2"/>
+          <a:stretch>
+            <a:fillRect/>
+          </a:stretch>
+        </p:blipFill>
+        <p:spPr>
+          <a:xfrm>
+            <a:off x="3653764" y="940072"/>
+            <a:ext cx="4925112" cy="5201376"/>
+          </a:xfrm>
+          <a:prstGeom prst="rect">
+            <a:avLst/>
+          </a:prstGeom>
+        </p:spPr>
+      </p:pic>
+      <p:sp>
+        <p:nvSpPr>
+          <p:cNvPr id="7" name="제목 1">
+            <a:extLst>
+              <a:ext uri="{FF2B5EF4-FFF2-40B4-BE49-F238E27FC236}">
+                <a16:creationId xmlns:a16="http://schemas.microsoft.com/office/drawing/2014/main" id="{9B2C24A7-0CB3-2229-E972-A3AD9E9A4B7C}"/>
+              </a:ext>
+            </a:extLst>
+          </p:cNvPr>
+          <p:cNvSpPr txBox="1">
+            <a:spLocks/>
+          </p:cNvSpPr>
+          <p:nvPr/>
+        </p:nvSpPr>
+        <p:spPr>
+          <a:xfrm>
+            <a:off x="391961" y="186770"/>
+            <a:ext cx="10635703" cy="644504"/>
+          </a:xfrm>
+          <a:prstGeom prst="rect">
+            <a:avLst/>
+          </a:prstGeom>
+        </p:spPr>
+        <p:txBody>
+          <a:bodyPr vert="horz" lIns="91440" tIns="45720" rIns="91440" bIns="45720" rtlCol="0" anchor="ctr">
+            <a:noAutofit/>
+          </a:bodyPr>
+          <a:lstStyle>
+            <a:lvl1pPr algn="l" defTabSz="914400" rtl="0" eaLnBrk="1" latinLnBrk="1" hangingPunct="1">
+              <a:lnSpc>
+                <a:spcPct val="90000"/>
+              </a:lnSpc>
+              <a:spcBef>
+                <a:spcPct val="0"/>
+              </a:spcBef>
+              <a:buNone/>
+              <a:defRPr sz="3200" kern="1200">
+                <a:solidFill>
+                  <a:schemeClr val="tx1"/>
+                </a:solidFill>
+                <a:latin typeface="+mj-lt"/>
+                <a:ea typeface="+mj-ea"/>
+                <a:cs typeface="+mj-cs"/>
+              </a:defRPr>
+            </a:lvl1pPr>
+          </a:lstStyle>
+          <a:p>
+            <a:r>
+              <a:rPr lang="en-US" altLang="ko-KR" b="1" dirty="0">
+                <a:solidFill>
+                  <a:srgbClr val="00153E"/>
+                </a:solidFill>
+              </a:rPr>
+              <a:t>GitHub eclipse</a:t>
+            </a:r>
+            <a:r>
+              <a:rPr lang="ko-KR" altLang="en-US" b="1" dirty="0">
+                <a:solidFill>
+                  <a:srgbClr val="00153E"/>
+                </a:solidFill>
+              </a:rPr>
+              <a:t> </a:t>
+            </a:r>
+            <a:r>
+              <a:rPr lang="en-US" altLang="ko-KR" b="1" dirty="0">
+                <a:solidFill>
+                  <a:srgbClr val="00153E"/>
+                </a:solidFill>
+              </a:rPr>
+              <a:t>import</a:t>
+            </a:r>
+            <a:endParaRPr lang="ko-KR" altLang="en-US" b="1" dirty="0">
+              <a:solidFill>
+                <a:srgbClr val="00153E"/>
+              </a:solidFill>
+            </a:endParaRPr>
+          </a:p>
+        </p:txBody>
+      </p:sp>
+      <p:sp>
+        <p:nvSpPr>
+          <p:cNvPr id="9" name="직사각형 8">
+            <a:extLst>
+              <a:ext uri="{FF2B5EF4-FFF2-40B4-BE49-F238E27FC236}">
+                <a16:creationId xmlns:a16="http://schemas.microsoft.com/office/drawing/2014/main" id="{6963FB27-7B1B-1830-9D26-5820E61AF39F}"/>
+              </a:ext>
+            </a:extLst>
+          </p:cNvPr>
+          <p:cNvSpPr/>
+          <p:nvPr/>
+        </p:nvSpPr>
+        <p:spPr>
+          <a:xfrm>
+            <a:off x="5709812" y="5721519"/>
+            <a:ext cx="863708" cy="333842"/>
+          </a:xfrm>
+          <a:prstGeom prst="rect">
+            <a:avLst/>
+          </a:prstGeom>
+          <a:noFill/>
+          <a:ln w="38100">
+            <a:solidFill>
+              <a:srgbClr val="FF0000"/>
+            </a:solidFill>
+          </a:ln>
+        </p:spPr>
+        <p:style>
+          <a:lnRef idx="2">
+            <a:schemeClr val="accent1">
+              <a:shade val="50000"/>
+            </a:schemeClr>
+          </a:lnRef>
+          <a:fillRef idx="1">
+            <a:schemeClr val="accent1"/>
+          </a:fillRef>
+          <a:effectRef idx="0">
+            <a:schemeClr val="accent1"/>
+          </a:effectRef>
+          <a:fontRef idx="minor">
+            <a:schemeClr val="lt1"/>
+          </a:fontRef>
+        </p:style>
+        <p:txBody>
+          <a:bodyPr rtlCol="0" anchor="ctr"/>
+          <a:lstStyle/>
+          <a:p>
+            <a:pPr algn="ctr"/>
+            <a:endParaRPr lang="ko-KR" altLang="en-US" dirty="0"/>
+          </a:p>
+        </p:txBody>
+      </p:sp>
+    </p:spTree>
+    <p:extLst>
+      <p:ext uri="{BB962C8B-B14F-4D97-AF65-F5344CB8AC3E}">
+        <p14:creationId xmlns:p14="http://schemas.microsoft.com/office/powerpoint/2010/main" val="2322367607"/>
+      </p:ext>
+    </p:extLst>
+  </p:cSld>
+  <p:clrMapOvr>
+    <a:masterClrMapping/>
+  </p:clrMapOvr>
+</p:sld>
+</file>
+
+<file path=ppt/slides/slide23.xml><?xml version="1.0" encoding="utf-8"?>
+<p:sld xmlns:a="http://schemas.openxmlformats.org/drawingml/2006/main" xmlns:r="http://schemas.openxmlformats.org/officeDocument/2006/relationships" xmlns:p="http://schemas.openxmlformats.org/presentationml/2006/main">
+  <p:cSld>
+    <p:spTree>
+      <p:nvGrpSpPr>
+        <p:cNvPr id="1" name=""/>
+        <p:cNvGrpSpPr/>
+        <p:nvPr/>
+      </p:nvGrpSpPr>
+      <p:grpSpPr>
+        <a:xfrm>
+          <a:off x="0" y="0"/>
+          <a:ext cx="0" cy="0"/>
+          <a:chOff x="0" y="0"/>
+          <a:chExt cx="0" cy="0"/>
+        </a:xfrm>
+      </p:grpSpPr>
+      <p:pic>
+        <p:nvPicPr>
+          <p:cNvPr id="3" name="그림 2">
+            <a:extLst>
+              <a:ext uri="{FF2B5EF4-FFF2-40B4-BE49-F238E27FC236}">
+                <a16:creationId xmlns:a16="http://schemas.microsoft.com/office/drawing/2014/main" id="{7E78EC46-7435-B313-A2A4-43BAA6467FD9}"/>
+              </a:ext>
+            </a:extLst>
+          </p:cNvPr>
+          <p:cNvPicPr>
+            <a:picLocks noChangeAspect="1"/>
+          </p:cNvPicPr>
+          <p:nvPr/>
+        </p:nvPicPr>
+        <p:blipFill>
+          <a:blip r:embed="rId2"/>
+          <a:stretch>
+            <a:fillRect/>
+          </a:stretch>
+        </p:blipFill>
+        <p:spPr>
+          <a:xfrm>
+            <a:off x="3633444" y="799733"/>
+            <a:ext cx="4925112" cy="5258534"/>
+          </a:xfrm>
+          <a:prstGeom prst="rect">
+            <a:avLst/>
+          </a:prstGeom>
+        </p:spPr>
+      </p:pic>
+      <p:sp>
+        <p:nvSpPr>
+          <p:cNvPr id="7" name="제목 1">
+            <a:extLst>
+              <a:ext uri="{FF2B5EF4-FFF2-40B4-BE49-F238E27FC236}">
+                <a16:creationId xmlns:a16="http://schemas.microsoft.com/office/drawing/2014/main" id="{9B2C24A7-0CB3-2229-E972-A3AD9E9A4B7C}"/>
+              </a:ext>
+            </a:extLst>
+          </p:cNvPr>
+          <p:cNvSpPr txBox="1">
+            <a:spLocks/>
+          </p:cNvSpPr>
+          <p:nvPr/>
+        </p:nvSpPr>
+        <p:spPr>
+          <a:xfrm>
+            <a:off x="391961" y="186770"/>
+            <a:ext cx="10635703" cy="644504"/>
+          </a:xfrm>
+          <a:prstGeom prst="rect">
+            <a:avLst/>
+          </a:prstGeom>
+        </p:spPr>
+        <p:txBody>
+          <a:bodyPr vert="horz" lIns="91440" tIns="45720" rIns="91440" bIns="45720" rtlCol="0" anchor="ctr">
+            <a:noAutofit/>
+          </a:bodyPr>
+          <a:lstStyle>
+            <a:lvl1pPr algn="l" defTabSz="914400" rtl="0" eaLnBrk="1" latinLnBrk="1" hangingPunct="1">
+              <a:lnSpc>
+                <a:spcPct val="90000"/>
+              </a:lnSpc>
+              <a:spcBef>
+                <a:spcPct val="0"/>
+              </a:spcBef>
+              <a:buNone/>
+              <a:defRPr sz="3200" kern="1200">
+                <a:solidFill>
+                  <a:schemeClr val="tx1"/>
+                </a:solidFill>
+                <a:latin typeface="+mj-lt"/>
+                <a:ea typeface="+mj-ea"/>
+                <a:cs typeface="+mj-cs"/>
+              </a:defRPr>
+            </a:lvl1pPr>
+          </a:lstStyle>
+          <a:p>
+            <a:r>
+              <a:rPr lang="en-US" altLang="ko-KR" b="1" dirty="0">
+                <a:solidFill>
+                  <a:srgbClr val="00153E"/>
+                </a:solidFill>
+              </a:rPr>
+              <a:t>GitHub eclipse</a:t>
+            </a:r>
+            <a:r>
+              <a:rPr lang="ko-KR" altLang="en-US" b="1" dirty="0">
+                <a:solidFill>
+                  <a:srgbClr val="00153E"/>
+                </a:solidFill>
+              </a:rPr>
+              <a:t> </a:t>
+            </a:r>
+            <a:r>
+              <a:rPr lang="en-US" altLang="ko-KR" b="1" dirty="0">
+                <a:solidFill>
+                  <a:srgbClr val="00153E"/>
+                </a:solidFill>
+              </a:rPr>
+              <a:t>import</a:t>
+            </a:r>
+            <a:endParaRPr lang="ko-KR" altLang="en-US" b="1" dirty="0">
+              <a:solidFill>
+                <a:srgbClr val="00153E"/>
+              </a:solidFill>
+            </a:endParaRPr>
+          </a:p>
+        </p:txBody>
+      </p:sp>
+      <p:sp>
+        <p:nvSpPr>
+          <p:cNvPr id="9" name="직사각형 8">
+            <a:extLst>
+              <a:ext uri="{FF2B5EF4-FFF2-40B4-BE49-F238E27FC236}">
+                <a16:creationId xmlns:a16="http://schemas.microsoft.com/office/drawing/2014/main" id="{6963FB27-7B1B-1830-9D26-5820E61AF39F}"/>
+              </a:ext>
+            </a:extLst>
+          </p:cNvPr>
+          <p:cNvSpPr/>
+          <p:nvPr/>
+        </p:nvSpPr>
+        <p:spPr>
+          <a:xfrm>
+            <a:off x="4571892" y="2124879"/>
+            <a:ext cx="3769468" cy="283041"/>
+          </a:xfrm>
+          <a:prstGeom prst="rect">
+            <a:avLst/>
+          </a:prstGeom>
+          <a:noFill/>
+          <a:ln w="38100">
+            <a:solidFill>
+              <a:srgbClr val="FF0000"/>
+            </a:solidFill>
+          </a:ln>
+        </p:spPr>
+        <p:style>
+          <a:lnRef idx="2">
+            <a:schemeClr val="accent1">
+              <a:shade val="50000"/>
+            </a:schemeClr>
+          </a:lnRef>
+          <a:fillRef idx="1">
+            <a:schemeClr val="accent1"/>
+          </a:fillRef>
+          <a:effectRef idx="0">
+            <a:schemeClr val="accent1"/>
+          </a:effectRef>
+          <a:fontRef idx="minor">
+            <a:schemeClr val="lt1"/>
+          </a:fontRef>
+        </p:style>
+        <p:txBody>
+          <a:bodyPr rtlCol="0" anchor="ctr"/>
+          <a:lstStyle/>
+          <a:p>
+            <a:pPr algn="ctr"/>
+            <a:endParaRPr lang="ko-KR" altLang="en-US" dirty="0"/>
+          </a:p>
+        </p:txBody>
+      </p:sp>
+      <p:sp>
+        <p:nvSpPr>
+          <p:cNvPr id="5" name="직사각형 4">
+            <a:extLst>
+              <a:ext uri="{FF2B5EF4-FFF2-40B4-BE49-F238E27FC236}">
+                <a16:creationId xmlns:a16="http://schemas.microsoft.com/office/drawing/2014/main" id="{A66AB696-77CF-1771-041E-2B51E96E127A}"/>
+              </a:ext>
+            </a:extLst>
+          </p:cNvPr>
+          <p:cNvSpPr/>
+          <p:nvPr/>
+        </p:nvSpPr>
+        <p:spPr>
+          <a:xfrm>
+            <a:off x="5618372" y="5640239"/>
+            <a:ext cx="965308" cy="283041"/>
+          </a:xfrm>
+          <a:prstGeom prst="rect">
+            <a:avLst/>
+          </a:prstGeom>
+          <a:noFill/>
+          <a:ln w="38100">
+            <a:solidFill>
+              <a:srgbClr val="FF0000"/>
+            </a:solidFill>
+          </a:ln>
+        </p:spPr>
+        <p:style>
+          <a:lnRef idx="2">
+            <a:schemeClr val="accent1">
+              <a:shade val="50000"/>
+            </a:schemeClr>
+          </a:lnRef>
+          <a:fillRef idx="1">
+            <a:schemeClr val="accent1"/>
+          </a:fillRef>
+          <a:effectRef idx="0">
+            <a:schemeClr val="accent1"/>
+          </a:effectRef>
+          <a:fontRef idx="minor">
+            <a:schemeClr val="lt1"/>
+          </a:fontRef>
+        </p:style>
+        <p:txBody>
+          <a:bodyPr rtlCol="0" anchor="ctr"/>
+          <a:lstStyle/>
+          <a:p>
+            <a:pPr algn="ctr"/>
+            <a:endParaRPr lang="ko-KR" altLang="en-US" dirty="0"/>
+          </a:p>
+        </p:txBody>
+      </p:sp>
+      <p:sp>
+        <p:nvSpPr>
+          <p:cNvPr id="6" name="TextBox 5">
+            <a:extLst>
+              <a:ext uri="{FF2B5EF4-FFF2-40B4-BE49-F238E27FC236}">
+                <a16:creationId xmlns:a16="http://schemas.microsoft.com/office/drawing/2014/main" id="{B34C2EB5-40D6-B3BC-45E8-FE9BB520A843}"/>
+              </a:ext>
+            </a:extLst>
+          </p:cNvPr>
+          <p:cNvSpPr txBox="1"/>
+          <p:nvPr/>
+        </p:nvSpPr>
+        <p:spPr>
+          <a:xfrm>
+            <a:off x="5712739" y="1755547"/>
+            <a:ext cx="3806051" cy="369332"/>
+          </a:xfrm>
+          <a:prstGeom prst="rect">
+            <a:avLst/>
+          </a:prstGeom>
+          <a:noFill/>
+        </p:spPr>
+        <p:txBody>
+          <a:bodyPr wrap="square">
+            <a:spAutoFit/>
+          </a:bodyPr>
+          <a:lstStyle/>
+          <a:p>
+            <a:pPr algn="ctr"/>
+            <a:r>
+              <a:rPr lang="ko-KR" altLang="en-US" dirty="0">
+                <a:highlight>
+                  <a:srgbClr val="FFFF00"/>
+                </a:highlight>
+              </a:rPr>
+              <a:t>저장경로변경</a:t>
+            </a:r>
+          </a:p>
+        </p:txBody>
+      </p:sp>
+    </p:spTree>
+    <p:extLst>
+      <p:ext uri="{BB962C8B-B14F-4D97-AF65-F5344CB8AC3E}">
+        <p14:creationId xmlns:p14="http://schemas.microsoft.com/office/powerpoint/2010/main" val="1242372368"/>
+      </p:ext>
+    </p:extLst>
+  </p:cSld>
+  <p:clrMapOvr>
+    <a:masterClrMapping/>
+  </p:clrMapOvr>
+</p:sld>
+</file>
+
+<file path=ppt/slides/slide24.xml><?xml version="1.0" encoding="utf-8"?>
+<p:sld xmlns:a="http://schemas.openxmlformats.org/drawingml/2006/main" xmlns:r="http://schemas.openxmlformats.org/officeDocument/2006/relationships" xmlns:p="http://schemas.openxmlformats.org/presentationml/2006/main">
+  <p:cSld>
+    <p:spTree>
+      <p:nvGrpSpPr>
+        <p:cNvPr id="1" name=""/>
+        <p:cNvGrpSpPr/>
+        <p:nvPr/>
+      </p:nvGrpSpPr>
+      <p:grpSpPr>
+        <a:xfrm>
+          <a:off x="0" y="0"/>
+          <a:ext cx="0" cy="0"/>
+          <a:chOff x="0" y="0"/>
+          <a:chExt cx="0" cy="0"/>
+        </a:xfrm>
+      </p:grpSpPr>
+      <p:pic>
+        <p:nvPicPr>
+          <p:cNvPr id="3" name="그림 2">
+            <a:extLst>
+              <a:ext uri="{FF2B5EF4-FFF2-40B4-BE49-F238E27FC236}">
+                <a16:creationId xmlns:a16="http://schemas.microsoft.com/office/drawing/2014/main" id="{7E78EC46-7435-B313-A2A4-43BAA6467FD9}"/>
+              </a:ext>
+            </a:extLst>
+          </p:cNvPr>
+          <p:cNvPicPr>
+            <a:picLocks noChangeAspect="1"/>
+          </p:cNvPicPr>
+          <p:nvPr/>
+        </p:nvPicPr>
+        <p:blipFill>
+          <a:blip r:embed="rId2"/>
+          <a:stretch>
+            <a:fillRect/>
+          </a:stretch>
+        </p:blipFill>
+        <p:spPr>
+          <a:xfrm>
+            <a:off x="3633444" y="799733"/>
+            <a:ext cx="4925112" cy="5258534"/>
+          </a:xfrm>
+          <a:prstGeom prst="rect">
+            <a:avLst/>
+          </a:prstGeom>
+        </p:spPr>
+      </p:pic>
+      <p:sp>
+        <p:nvSpPr>
+          <p:cNvPr id="7" name="제목 1">
+            <a:extLst>
+              <a:ext uri="{FF2B5EF4-FFF2-40B4-BE49-F238E27FC236}">
+                <a16:creationId xmlns:a16="http://schemas.microsoft.com/office/drawing/2014/main" id="{9B2C24A7-0CB3-2229-E972-A3AD9E9A4B7C}"/>
+              </a:ext>
+            </a:extLst>
+          </p:cNvPr>
+          <p:cNvSpPr txBox="1">
+            <a:spLocks/>
+          </p:cNvSpPr>
+          <p:nvPr/>
+        </p:nvSpPr>
+        <p:spPr>
+          <a:xfrm>
+            <a:off x="391961" y="186770"/>
+            <a:ext cx="10635703" cy="644504"/>
+          </a:xfrm>
+          <a:prstGeom prst="rect">
+            <a:avLst/>
+          </a:prstGeom>
+        </p:spPr>
+        <p:txBody>
+          <a:bodyPr vert="horz" lIns="91440" tIns="45720" rIns="91440" bIns="45720" rtlCol="0" anchor="ctr">
+            <a:noAutofit/>
+          </a:bodyPr>
+          <a:lstStyle>
+            <a:lvl1pPr algn="l" defTabSz="914400" rtl="0" eaLnBrk="1" latinLnBrk="1" hangingPunct="1">
+              <a:lnSpc>
+                <a:spcPct val="90000"/>
+              </a:lnSpc>
+              <a:spcBef>
+                <a:spcPct val="0"/>
+              </a:spcBef>
+              <a:buNone/>
+              <a:defRPr sz="3200" kern="1200">
+                <a:solidFill>
+                  <a:schemeClr val="tx1"/>
+                </a:solidFill>
+                <a:latin typeface="+mj-lt"/>
+                <a:ea typeface="+mj-ea"/>
+                <a:cs typeface="+mj-cs"/>
+              </a:defRPr>
+            </a:lvl1pPr>
+          </a:lstStyle>
+          <a:p>
+            <a:r>
+              <a:rPr lang="en-US" altLang="ko-KR" b="1" dirty="0">
+                <a:solidFill>
+                  <a:srgbClr val="00153E"/>
+                </a:solidFill>
+              </a:rPr>
+              <a:t>GitHub eclipse</a:t>
+            </a:r>
+            <a:r>
+              <a:rPr lang="ko-KR" altLang="en-US" b="1" dirty="0">
+                <a:solidFill>
+                  <a:srgbClr val="00153E"/>
+                </a:solidFill>
+              </a:rPr>
+              <a:t> </a:t>
+            </a:r>
+            <a:r>
+              <a:rPr lang="en-US" altLang="ko-KR" b="1" dirty="0">
+                <a:solidFill>
+                  <a:srgbClr val="00153E"/>
+                </a:solidFill>
+              </a:rPr>
+              <a:t>import</a:t>
+            </a:r>
+            <a:endParaRPr lang="ko-KR" altLang="en-US" b="1" dirty="0">
+              <a:solidFill>
+                <a:srgbClr val="00153E"/>
+              </a:solidFill>
+            </a:endParaRPr>
+          </a:p>
+        </p:txBody>
+      </p:sp>
+      <p:sp>
+        <p:nvSpPr>
+          <p:cNvPr id="9" name="직사각형 8">
+            <a:extLst>
+              <a:ext uri="{FF2B5EF4-FFF2-40B4-BE49-F238E27FC236}">
+                <a16:creationId xmlns:a16="http://schemas.microsoft.com/office/drawing/2014/main" id="{6963FB27-7B1B-1830-9D26-5820E61AF39F}"/>
+              </a:ext>
+            </a:extLst>
+          </p:cNvPr>
+          <p:cNvSpPr/>
+          <p:nvPr/>
+        </p:nvSpPr>
+        <p:spPr>
+          <a:xfrm>
+            <a:off x="4571892" y="2124879"/>
+            <a:ext cx="3769468" cy="283041"/>
+          </a:xfrm>
+          <a:prstGeom prst="rect">
+            <a:avLst/>
+          </a:prstGeom>
+          <a:noFill/>
+          <a:ln w="38100">
+            <a:solidFill>
+              <a:srgbClr val="FF0000"/>
+            </a:solidFill>
+          </a:ln>
+        </p:spPr>
+        <p:style>
+          <a:lnRef idx="2">
+            <a:schemeClr val="accent1">
+              <a:shade val="50000"/>
+            </a:schemeClr>
+          </a:lnRef>
+          <a:fillRef idx="1">
+            <a:schemeClr val="accent1"/>
+          </a:fillRef>
+          <a:effectRef idx="0">
+            <a:schemeClr val="accent1"/>
+          </a:effectRef>
+          <a:fontRef idx="minor">
+            <a:schemeClr val="lt1"/>
+          </a:fontRef>
+        </p:style>
+        <p:txBody>
+          <a:bodyPr rtlCol="0" anchor="ctr"/>
+          <a:lstStyle/>
+          <a:p>
+            <a:pPr algn="ctr"/>
+            <a:endParaRPr lang="ko-KR" altLang="en-US" dirty="0"/>
+          </a:p>
+        </p:txBody>
+      </p:sp>
+      <p:sp>
+        <p:nvSpPr>
+          <p:cNvPr id="5" name="직사각형 4">
+            <a:extLst>
+              <a:ext uri="{FF2B5EF4-FFF2-40B4-BE49-F238E27FC236}">
+                <a16:creationId xmlns:a16="http://schemas.microsoft.com/office/drawing/2014/main" id="{A66AB696-77CF-1771-041E-2B51E96E127A}"/>
+              </a:ext>
+            </a:extLst>
+          </p:cNvPr>
+          <p:cNvSpPr/>
+          <p:nvPr/>
+        </p:nvSpPr>
+        <p:spPr>
+          <a:xfrm>
+            <a:off x="5618372" y="5640239"/>
+            <a:ext cx="965308" cy="283041"/>
+          </a:xfrm>
+          <a:prstGeom prst="rect">
+            <a:avLst/>
+          </a:prstGeom>
+          <a:noFill/>
+          <a:ln w="38100">
+            <a:solidFill>
+              <a:srgbClr val="FF0000"/>
+            </a:solidFill>
+          </a:ln>
+        </p:spPr>
+        <p:style>
+          <a:lnRef idx="2">
+            <a:schemeClr val="accent1">
+              <a:shade val="50000"/>
+            </a:schemeClr>
+          </a:lnRef>
+          <a:fillRef idx="1">
+            <a:schemeClr val="accent1"/>
+          </a:fillRef>
+          <a:effectRef idx="0">
+            <a:schemeClr val="accent1"/>
+          </a:effectRef>
+          <a:fontRef idx="minor">
+            <a:schemeClr val="lt1"/>
+          </a:fontRef>
+        </p:style>
+        <p:txBody>
+          <a:bodyPr rtlCol="0" anchor="ctr"/>
+          <a:lstStyle/>
+          <a:p>
+            <a:pPr algn="ctr"/>
+            <a:endParaRPr lang="ko-KR" altLang="en-US" dirty="0"/>
+          </a:p>
+        </p:txBody>
+      </p:sp>
+      <p:sp>
+        <p:nvSpPr>
+          <p:cNvPr id="6" name="TextBox 5">
+            <a:extLst>
+              <a:ext uri="{FF2B5EF4-FFF2-40B4-BE49-F238E27FC236}">
+                <a16:creationId xmlns:a16="http://schemas.microsoft.com/office/drawing/2014/main" id="{B34C2EB5-40D6-B3BC-45E8-FE9BB520A843}"/>
+              </a:ext>
+            </a:extLst>
+          </p:cNvPr>
+          <p:cNvSpPr txBox="1"/>
+          <p:nvPr/>
+        </p:nvSpPr>
+        <p:spPr>
+          <a:xfrm>
+            <a:off x="5712739" y="1755547"/>
+            <a:ext cx="3806051" cy="369332"/>
+          </a:xfrm>
+          <a:prstGeom prst="rect">
+            <a:avLst/>
+          </a:prstGeom>
+          <a:noFill/>
+        </p:spPr>
+        <p:txBody>
+          <a:bodyPr wrap="square">
+            <a:spAutoFit/>
+          </a:bodyPr>
+          <a:lstStyle/>
+          <a:p>
+            <a:pPr algn="ctr"/>
+            <a:r>
+              <a:rPr lang="ko-KR" altLang="en-US" dirty="0">
+                <a:highlight>
+                  <a:srgbClr val="FFFF00"/>
+                </a:highlight>
+              </a:rPr>
+              <a:t>저장경로변경</a:t>
+            </a:r>
+          </a:p>
+        </p:txBody>
+      </p:sp>
+    </p:spTree>
+    <p:extLst>
+      <p:ext uri="{BB962C8B-B14F-4D97-AF65-F5344CB8AC3E}">
+        <p14:creationId xmlns:p14="http://schemas.microsoft.com/office/powerpoint/2010/main" val="3843992498"/>
+      </p:ext>
+    </p:extLst>
+  </p:cSld>
+  <p:clrMapOvr>
+    <a:masterClrMapping/>
+  </p:clrMapOvr>
+</p:sld>
+</file>
+
+<file path=ppt/slides/slide25.xml><?xml version="1.0" encoding="utf-8"?>
+<p:sld xmlns:a="http://schemas.openxmlformats.org/drawingml/2006/main" xmlns:r="http://schemas.openxmlformats.org/officeDocument/2006/relationships" xmlns:p="http://schemas.openxmlformats.org/presentationml/2006/main">
+  <p:cSld>
+    <p:spTree>
+      <p:nvGrpSpPr>
+        <p:cNvPr id="1" name=""/>
+        <p:cNvGrpSpPr/>
+        <p:nvPr/>
+      </p:nvGrpSpPr>
+      <p:grpSpPr>
+        <a:xfrm>
+          <a:off x="0" y="0"/>
+          <a:ext cx="0" cy="0"/>
+          <a:chOff x="0" y="0"/>
+          <a:chExt cx="0" cy="0"/>
+        </a:xfrm>
+      </p:grpSpPr>
+      <p:pic>
+        <p:nvPicPr>
+          <p:cNvPr id="5" name="그림 4">
+            <a:extLst>
+              <a:ext uri="{FF2B5EF4-FFF2-40B4-BE49-F238E27FC236}">
+                <a16:creationId xmlns:a16="http://schemas.microsoft.com/office/drawing/2014/main" id="{99B75770-A36C-5C22-0D0D-705032BD7AE1}"/>
+              </a:ext>
+            </a:extLst>
+          </p:cNvPr>
+          <p:cNvPicPr>
+            <a:picLocks noChangeAspect="1"/>
+          </p:cNvPicPr>
+          <p:nvPr/>
+        </p:nvPicPr>
+        <p:blipFill>
+          <a:blip r:embed="rId2"/>
+          <a:stretch>
+            <a:fillRect/>
+          </a:stretch>
+        </p:blipFill>
+        <p:spPr>
+          <a:xfrm>
+            <a:off x="3642970" y="823549"/>
+            <a:ext cx="4906060" cy="5210902"/>
+          </a:xfrm>
+          <a:prstGeom prst="rect">
+            <a:avLst/>
+          </a:prstGeom>
+        </p:spPr>
+      </p:pic>
+      <p:sp>
+        <p:nvSpPr>
+          <p:cNvPr id="6" name="제목 1">
+            <a:extLst>
+              <a:ext uri="{FF2B5EF4-FFF2-40B4-BE49-F238E27FC236}">
+                <a16:creationId xmlns:a16="http://schemas.microsoft.com/office/drawing/2014/main" id="{D696C99A-AC95-0C5E-04D8-8678E05A67E5}"/>
+              </a:ext>
+            </a:extLst>
+          </p:cNvPr>
+          <p:cNvSpPr txBox="1">
+            <a:spLocks/>
+          </p:cNvSpPr>
+          <p:nvPr/>
+        </p:nvSpPr>
+        <p:spPr>
+          <a:xfrm>
+            <a:off x="391961" y="186770"/>
+            <a:ext cx="10635703" cy="644504"/>
+          </a:xfrm>
+          <a:prstGeom prst="rect">
+            <a:avLst/>
+          </a:prstGeom>
+        </p:spPr>
+        <p:txBody>
+          <a:bodyPr vert="horz" lIns="91440" tIns="45720" rIns="91440" bIns="45720" rtlCol="0" anchor="ctr">
+            <a:noAutofit/>
+          </a:bodyPr>
+          <a:lstStyle>
+            <a:lvl1pPr algn="l" defTabSz="914400" rtl="0" eaLnBrk="1" latinLnBrk="1" hangingPunct="1">
+              <a:lnSpc>
+                <a:spcPct val="90000"/>
+              </a:lnSpc>
+              <a:spcBef>
+                <a:spcPct val="0"/>
+              </a:spcBef>
+              <a:buNone/>
+              <a:defRPr sz="3200" kern="1200">
+                <a:solidFill>
+                  <a:schemeClr val="tx1"/>
+                </a:solidFill>
+                <a:latin typeface="+mj-lt"/>
+                <a:ea typeface="+mj-ea"/>
+                <a:cs typeface="+mj-cs"/>
+              </a:defRPr>
+            </a:lvl1pPr>
+          </a:lstStyle>
+          <a:p>
+            <a:r>
+              <a:rPr lang="en-US" altLang="ko-KR" b="1" dirty="0">
+                <a:solidFill>
+                  <a:srgbClr val="00153E"/>
+                </a:solidFill>
+              </a:rPr>
+              <a:t>GitHub eclipse</a:t>
+            </a:r>
+            <a:r>
+              <a:rPr lang="ko-KR" altLang="en-US" b="1" dirty="0">
+                <a:solidFill>
+                  <a:srgbClr val="00153E"/>
+                </a:solidFill>
+              </a:rPr>
+              <a:t> </a:t>
+            </a:r>
+            <a:r>
+              <a:rPr lang="en-US" altLang="ko-KR" b="1" dirty="0">
+                <a:solidFill>
+                  <a:srgbClr val="00153E"/>
+                </a:solidFill>
+              </a:rPr>
+              <a:t>import</a:t>
+            </a:r>
+            <a:endParaRPr lang="ko-KR" altLang="en-US" b="1" dirty="0">
+              <a:solidFill>
+                <a:srgbClr val="00153E"/>
+              </a:solidFill>
+            </a:endParaRPr>
+          </a:p>
+        </p:txBody>
+      </p:sp>
+      <p:sp>
+        <p:nvSpPr>
+          <p:cNvPr id="7" name="직사각형 6">
+            <a:extLst>
+              <a:ext uri="{FF2B5EF4-FFF2-40B4-BE49-F238E27FC236}">
+                <a16:creationId xmlns:a16="http://schemas.microsoft.com/office/drawing/2014/main" id="{97391E6A-AD47-12C7-6AF1-9DBF85BFF71F}"/>
+              </a:ext>
+            </a:extLst>
+          </p:cNvPr>
+          <p:cNvSpPr/>
+          <p:nvPr/>
+        </p:nvSpPr>
+        <p:spPr>
+          <a:xfrm>
+            <a:off x="5618372" y="5640239"/>
+            <a:ext cx="965308" cy="283041"/>
+          </a:xfrm>
+          <a:prstGeom prst="rect">
+            <a:avLst/>
+          </a:prstGeom>
+          <a:noFill/>
+          <a:ln w="38100">
+            <a:solidFill>
+              <a:srgbClr val="FF0000"/>
+            </a:solidFill>
+          </a:ln>
+        </p:spPr>
+        <p:style>
+          <a:lnRef idx="2">
+            <a:schemeClr val="accent1">
+              <a:shade val="50000"/>
+            </a:schemeClr>
+          </a:lnRef>
+          <a:fillRef idx="1">
+            <a:schemeClr val="accent1"/>
+          </a:fillRef>
+          <a:effectRef idx="0">
+            <a:schemeClr val="accent1"/>
+          </a:effectRef>
+          <a:fontRef idx="minor">
+            <a:schemeClr val="lt1"/>
+          </a:fontRef>
+        </p:style>
+        <p:txBody>
+          <a:bodyPr rtlCol="0" anchor="ctr"/>
+          <a:lstStyle/>
+          <a:p>
+            <a:pPr algn="ctr"/>
+            <a:endParaRPr lang="ko-KR" altLang="en-US" dirty="0"/>
+          </a:p>
+        </p:txBody>
+      </p:sp>
+    </p:spTree>
+    <p:extLst>
+      <p:ext uri="{BB962C8B-B14F-4D97-AF65-F5344CB8AC3E}">
+        <p14:creationId xmlns:p14="http://schemas.microsoft.com/office/powerpoint/2010/main" val="2871759412"/>
+      </p:ext>
+    </p:extLst>
+  </p:cSld>
+  <p:clrMapOvr>
+    <a:masterClrMapping/>
+  </p:clrMapOvr>
+</p:sld>
+</file>
+
+<file path=ppt/slides/slide26.xml><?xml version="1.0" encoding="utf-8"?>
+<p:sld xmlns:a="http://schemas.openxmlformats.org/drawingml/2006/main" xmlns:r="http://schemas.openxmlformats.org/officeDocument/2006/relationships" xmlns:p="http://schemas.openxmlformats.org/presentationml/2006/main">
+  <p:cSld>
+    <p:spTree>
+      <p:nvGrpSpPr>
+        <p:cNvPr id="1" name=""/>
+        <p:cNvGrpSpPr/>
+        <p:nvPr/>
+      </p:nvGrpSpPr>
+      <p:grpSpPr>
+        <a:xfrm>
+          <a:off x="0" y="0"/>
+          <a:ext cx="0" cy="0"/>
+          <a:chOff x="0" y="0"/>
+          <a:chExt cx="0" cy="0"/>
+        </a:xfrm>
+      </p:grpSpPr>
+      <p:pic>
+        <p:nvPicPr>
+          <p:cNvPr id="3" name="그림 2">
+            <a:extLst>
+              <a:ext uri="{FF2B5EF4-FFF2-40B4-BE49-F238E27FC236}">
+                <a16:creationId xmlns:a16="http://schemas.microsoft.com/office/drawing/2014/main" id="{9A0F1CF7-BB49-424E-2949-C988FC3CD8ED}"/>
+              </a:ext>
+            </a:extLst>
+          </p:cNvPr>
+          <p:cNvPicPr>
+            <a:picLocks noChangeAspect="1"/>
+          </p:cNvPicPr>
+          <p:nvPr/>
+        </p:nvPicPr>
+        <p:blipFill>
+          <a:blip r:embed="rId2"/>
+          <a:stretch>
+            <a:fillRect/>
+          </a:stretch>
+        </p:blipFill>
+        <p:spPr>
+          <a:xfrm>
+            <a:off x="3647733" y="809259"/>
+            <a:ext cx="4896533" cy="5239481"/>
+          </a:xfrm>
+          <a:prstGeom prst="rect">
+            <a:avLst/>
+          </a:prstGeom>
+        </p:spPr>
+      </p:pic>
+      <p:sp>
+        <p:nvSpPr>
+          <p:cNvPr id="6" name="제목 1">
+            <a:extLst>
+              <a:ext uri="{FF2B5EF4-FFF2-40B4-BE49-F238E27FC236}">
+                <a16:creationId xmlns:a16="http://schemas.microsoft.com/office/drawing/2014/main" id="{D696C99A-AC95-0C5E-04D8-8678E05A67E5}"/>
+              </a:ext>
+            </a:extLst>
+          </p:cNvPr>
+          <p:cNvSpPr txBox="1">
+            <a:spLocks/>
+          </p:cNvSpPr>
+          <p:nvPr/>
+        </p:nvSpPr>
+        <p:spPr>
+          <a:xfrm>
+            <a:off x="391961" y="186770"/>
+            <a:ext cx="10635703" cy="644504"/>
+          </a:xfrm>
+          <a:prstGeom prst="rect">
+            <a:avLst/>
+          </a:prstGeom>
+        </p:spPr>
+        <p:txBody>
+          <a:bodyPr vert="horz" lIns="91440" tIns="45720" rIns="91440" bIns="45720" rtlCol="0" anchor="ctr">
+            <a:noAutofit/>
+          </a:bodyPr>
+          <a:lstStyle>
+            <a:lvl1pPr algn="l" defTabSz="914400" rtl="0" eaLnBrk="1" latinLnBrk="1" hangingPunct="1">
+              <a:lnSpc>
+                <a:spcPct val="90000"/>
+              </a:lnSpc>
+              <a:spcBef>
+                <a:spcPct val="0"/>
+              </a:spcBef>
+              <a:buNone/>
+              <a:defRPr sz="3200" kern="1200">
+                <a:solidFill>
+                  <a:schemeClr val="tx1"/>
+                </a:solidFill>
+                <a:latin typeface="+mj-lt"/>
+                <a:ea typeface="+mj-ea"/>
+                <a:cs typeface="+mj-cs"/>
+              </a:defRPr>
+            </a:lvl1pPr>
+          </a:lstStyle>
+          <a:p>
+            <a:r>
+              <a:rPr lang="en-US" altLang="ko-KR" b="1" dirty="0">
+                <a:solidFill>
+                  <a:srgbClr val="00153E"/>
+                </a:solidFill>
+              </a:rPr>
+              <a:t>GitHub eclipse</a:t>
+            </a:r>
+            <a:r>
+              <a:rPr lang="ko-KR" altLang="en-US" b="1" dirty="0">
+                <a:solidFill>
+                  <a:srgbClr val="00153E"/>
+                </a:solidFill>
+              </a:rPr>
+              <a:t> </a:t>
+            </a:r>
+            <a:r>
+              <a:rPr lang="en-US" altLang="ko-KR" b="1" dirty="0">
+                <a:solidFill>
+                  <a:srgbClr val="00153E"/>
+                </a:solidFill>
+              </a:rPr>
+              <a:t>import</a:t>
+            </a:r>
+            <a:endParaRPr lang="ko-KR" altLang="en-US" b="1" dirty="0">
+              <a:solidFill>
+                <a:srgbClr val="00153E"/>
+              </a:solidFill>
+            </a:endParaRPr>
+          </a:p>
+        </p:txBody>
+      </p:sp>
+      <p:sp>
+        <p:nvSpPr>
+          <p:cNvPr id="7" name="직사각형 6">
+            <a:extLst>
+              <a:ext uri="{FF2B5EF4-FFF2-40B4-BE49-F238E27FC236}">
+                <a16:creationId xmlns:a16="http://schemas.microsoft.com/office/drawing/2014/main" id="{97391E6A-AD47-12C7-6AF1-9DBF85BFF71F}"/>
+              </a:ext>
+            </a:extLst>
+          </p:cNvPr>
+          <p:cNvSpPr/>
+          <p:nvPr/>
+        </p:nvSpPr>
+        <p:spPr>
+          <a:xfrm>
+            <a:off x="6542932" y="5640239"/>
+            <a:ext cx="965308" cy="283041"/>
+          </a:xfrm>
+          <a:prstGeom prst="rect">
+            <a:avLst/>
+          </a:prstGeom>
+          <a:noFill/>
+          <a:ln w="38100">
+            <a:solidFill>
+              <a:srgbClr val="FF0000"/>
+            </a:solidFill>
+          </a:ln>
+        </p:spPr>
+        <p:style>
+          <a:lnRef idx="2">
+            <a:schemeClr val="accent1">
+              <a:shade val="50000"/>
+            </a:schemeClr>
+          </a:lnRef>
+          <a:fillRef idx="1">
+            <a:schemeClr val="accent1"/>
+          </a:fillRef>
+          <a:effectRef idx="0">
+            <a:schemeClr val="accent1"/>
+          </a:effectRef>
+          <a:fontRef idx="minor">
+            <a:schemeClr val="lt1"/>
+          </a:fontRef>
+        </p:style>
+        <p:txBody>
+          <a:bodyPr rtlCol="0" anchor="ctr"/>
+          <a:lstStyle/>
+          <a:p>
+            <a:pPr algn="ctr"/>
+            <a:endParaRPr lang="ko-KR" altLang="en-US" dirty="0"/>
+          </a:p>
+        </p:txBody>
+      </p:sp>
+    </p:spTree>
+    <p:extLst>
+      <p:ext uri="{BB962C8B-B14F-4D97-AF65-F5344CB8AC3E}">
+        <p14:creationId xmlns:p14="http://schemas.microsoft.com/office/powerpoint/2010/main" val="2376788433"/>
+      </p:ext>
+    </p:extLst>
+  </p:cSld>
+  <p:clrMapOvr>
+    <a:masterClrMapping/>
+  </p:clrMapOvr>
+</p:sld>
+</file>
+
+<file path=ppt/slides/slide27.xml><?xml version="1.0" encoding="utf-8"?>
+<p:sld xmlns:a="http://schemas.openxmlformats.org/drawingml/2006/main" xmlns:r="http://schemas.openxmlformats.org/officeDocument/2006/relationships" xmlns:p="http://schemas.openxmlformats.org/presentationml/2006/main">
+  <p:cSld>
+    <p:spTree>
+      <p:nvGrpSpPr>
+        <p:cNvPr id="1" name=""/>
+        <p:cNvGrpSpPr/>
+        <p:nvPr/>
+      </p:nvGrpSpPr>
+      <p:grpSpPr>
+        <a:xfrm>
+          <a:off x="0" y="0"/>
+          <a:ext cx="0" cy="0"/>
+          <a:chOff x="0" y="0"/>
+          <a:chExt cx="0" cy="0"/>
+        </a:xfrm>
+      </p:grpSpPr>
+      <p:pic>
+        <p:nvPicPr>
+          <p:cNvPr id="5" name="그림 4">
+            <a:extLst>
+              <a:ext uri="{FF2B5EF4-FFF2-40B4-BE49-F238E27FC236}">
+                <a16:creationId xmlns:a16="http://schemas.microsoft.com/office/drawing/2014/main" id="{353C0ADC-1F95-0F4E-1548-8C52CBAB8001}"/>
+              </a:ext>
+            </a:extLst>
+          </p:cNvPr>
+          <p:cNvPicPr>
+            <a:picLocks noChangeAspect="1"/>
+          </p:cNvPicPr>
+          <p:nvPr/>
+        </p:nvPicPr>
+        <p:blipFill>
+          <a:blip r:embed="rId2"/>
+          <a:stretch>
+            <a:fillRect/>
+          </a:stretch>
+        </p:blipFill>
+        <p:spPr>
+          <a:xfrm>
+            <a:off x="3866839" y="1904787"/>
+            <a:ext cx="4458322" cy="3048425"/>
+          </a:xfrm>
+          <a:prstGeom prst="rect">
+            <a:avLst/>
+          </a:prstGeom>
+        </p:spPr>
+      </p:pic>
+      <p:sp>
+        <p:nvSpPr>
+          <p:cNvPr id="6" name="제목 1">
+            <a:extLst>
+              <a:ext uri="{FF2B5EF4-FFF2-40B4-BE49-F238E27FC236}">
+                <a16:creationId xmlns:a16="http://schemas.microsoft.com/office/drawing/2014/main" id="{DCB6CE84-F58D-903F-476E-087DC4A6C6B0}"/>
+              </a:ext>
+            </a:extLst>
+          </p:cNvPr>
+          <p:cNvSpPr txBox="1">
+            <a:spLocks/>
+          </p:cNvSpPr>
+          <p:nvPr/>
+        </p:nvSpPr>
+        <p:spPr>
+          <a:xfrm>
+            <a:off x="391961" y="186770"/>
+            <a:ext cx="10635703" cy="644504"/>
+          </a:xfrm>
+          <a:prstGeom prst="rect">
+            <a:avLst/>
+          </a:prstGeom>
+        </p:spPr>
+        <p:txBody>
+          <a:bodyPr vert="horz" lIns="91440" tIns="45720" rIns="91440" bIns="45720" rtlCol="0" anchor="ctr">
+            <a:noAutofit/>
+          </a:bodyPr>
+          <a:lstStyle>
+            <a:lvl1pPr algn="l" defTabSz="914400" rtl="0" eaLnBrk="1" latinLnBrk="1" hangingPunct="1">
+              <a:lnSpc>
+                <a:spcPct val="90000"/>
+              </a:lnSpc>
+              <a:spcBef>
+                <a:spcPct val="0"/>
+              </a:spcBef>
+              <a:buNone/>
+              <a:defRPr sz="3200" kern="1200">
+                <a:solidFill>
+                  <a:schemeClr val="tx1"/>
+                </a:solidFill>
+                <a:latin typeface="+mj-lt"/>
+                <a:ea typeface="+mj-ea"/>
+                <a:cs typeface="+mj-cs"/>
+              </a:defRPr>
+            </a:lvl1pPr>
+          </a:lstStyle>
+          <a:p>
+            <a:r>
+              <a:rPr lang="en-US" altLang="ko-KR" b="1" dirty="0">
+                <a:solidFill>
+                  <a:srgbClr val="00153E"/>
+                </a:solidFill>
+              </a:rPr>
+              <a:t>GitHub eclipse</a:t>
+            </a:r>
+            <a:r>
+              <a:rPr lang="ko-KR" altLang="en-US" b="1" dirty="0">
+                <a:solidFill>
+                  <a:srgbClr val="00153E"/>
+                </a:solidFill>
+              </a:rPr>
+              <a:t> </a:t>
+            </a:r>
+            <a:r>
+              <a:rPr lang="en-US" altLang="ko-KR" b="1" dirty="0">
+                <a:solidFill>
+                  <a:srgbClr val="00153E"/>
+                </a:solidFill>
+              </a:rPr>
+              <a:t>import</a:t>
+            </a:r>
+            <a:endParaRPr lang="ko-KR" altLang="en-US" b="1" dirty="0">
+              <a:solidFill>
+                <a:srgbClr val="00153E"/>
+              </a:solidFill>
+            </a:endParaRPr>
+          </a:p>
+        </p:txBody>
+      </p:sp>
+    </p:spTree>
+    <p:extLst>
+      <p:ext uri="{BB962C8B-B14F-4D97-AF65-F5344CB8AC3E}">
+        <p14:creationId xmlns:p14="http://schemas.microsoft.com/office/powerpoint/2010/main" val="1698839526"/>
       </p:ext>
     </p:extLst>
   </p:cSld>
